--- a/中期检查/中期检查_陈志伟.pptx
+++ b/中期检查/中期检查_陈志伟.pptx
@@ -21,10 +21,10 @@
     <p:sldId id="578" r:id="rId12"/>
     <p:sldId id="579" r:id="rId13"/>
     <p:sldId id="580" r:id="rId14"/>
-    <p:sldId id="575" r:id="rId15"/>
-    <p:sldId id="576" r:id="rId16"/>
-    <p:sldId id="520" r:id="rId17"/>
-    <p:sldId id="566" r:id="rId18"/>
+    <p:sldId id="520" r:id="rId15"/>
+    <p:sldId id="581" r:id="rId16"/>
+    <p:sldId id="582" r:id="rId17"/>
+    <p:sldId id="583" r:id="rId18"/>
     <p:sldId id="556" r:id="rId19"/>
     <p:sldId id="551" r:id="rId20"/>
     <p:sldId id="542" r:id="rId21"/>
@@ -231,7 +231,7 @@
           <a:p>
             <a:fld id="{70B15314-E3FC-4C9D-A25B-E4CA7D8DC52F}" type="datetimeFigureOut">
               <a:rPr lang="zh-CN" altLang="en-US" smtClean="0"/>
-              <a:t>2016/8/23</a:t>
+              <a:t>2016/8/24</a:t>
             </a:fld>
             <a:endParaRPr lang="zh-CN" altLang="en-US"/>
           </a:p>
@@ -1046,7 +1046,7 @@
           <a:p>
             <a:fld id="{236DEB8F-1078-4B41-AFE9-1FE79B8C146D}" type="datetimeFigureOut">
               <a:rPr lang="zh-CN" altLang="en-US" smtClean="0"/>
-              <a:t>2016/8/23</a:t>
+              <a:t>2016/8/24</a:t>
             </a:fld>
             <a:endParaRPr lang="zh-CN" altLang="en-US"/>
           </a:p>
@@ -1315,7 +1315,7 @@
           <a:p>
             <a:fld id="{236DEB8F-1078-4B41-AFE9-1FE79B8C146D}" type="datetimeFigureOut">
               <a:rPr lang="zh-CN" altLang="en-US" smtClean="0"/>
-              <a:t>2016/8/23</a:t>
+              <a:t>2016/8/24</a:t>
             </a:fld>
             <a:endParaRPr lang="zh-CN" altLang="en-US"/>
           </a:p>
@@ -1507,7 +1507,7 @@
           <a:p>
             <a:fld id="{236DEB8F-1078-4B41-AFE9-1FE79B8C146D}" type="datetimeFigureOut">
               <a:rPr lang="zh-CN" altLang="en-US" smtClean="0"/>
-              <a:t>2016/8/23</a:t>
+              <a:t>2016/8/24</a:t>
             </a:fld>
             <a:endParaRPr lang="zh-CN" altLang="en-US"/>
           </a:p>
@@ -1818,7 +1818,7 @@
           <a:p>
             <a:fld id="{236DEB8F-1078-4B41-AFE9-1FE79B8C146D}" type="datetimeFigureOut">
               <a:rPr lang="zh-CN" altLang="en-US" smtClean="0"/>
-              <a:t>2016/8/23</a:t>
+              <a:t>2016/8/24</a:t>
             </a:fld>
             <a:endParaRPr lang="zh-CN" altLang="en-US"/>
           </a:p>
@@ -1930,7 +1930,7 @@
           <a:graphicData uri="http://schemas.openxmlformats.org/presentationml/2006/ole">
             <mc:AlternateContent xmlns:mc="http://schemas.openxmlformats.org/markup-compatibility/2006">
               <mc:Choice xmlns:v="urn:schemas-microsoft-com:vml" Requires="v">
-                <p:oleObj spid="_x0000_s11397" name="Image" r:id="rId3" imgW="8228571" imgH="8711111" progId="">
+                <p:oleObj spid="_x0000_s11456" name="Image" r:id="rId3" imgW="8228571" imgH="8711111" progId="">
                   <p:embed/>
                 </p:oleObj>
               </mc:Choice>
@@ -3500,7 +3500,7 @@
           <a:p>
             <a:fld id="{236DEB8F-1078-4B41-AFE9-1FE79B8C146D}" type="datetimeFigureOut">
               <a:rPr lang="zh-CN" altLang="en-US" smtClean="0"/>
-              <a:t>2016/8/23</a:t>
+              <a:t>2016/8/24</a:t>
             </a:fld>
             <a:endParaRPr lang="zh-CN" altLang="en-US"/>
           </a:p>
@@ -3711,7 +3711,7 @@
           <a:p>
             <a:fld id="{236DEB8F-1078-4B41-AFE9-1FE79B8C146D}" type="datetimeFigureOut">
               <a:rPr lang="zh-CN" altLang="en-US" smtClean="0"/>
-              <a:t>2016/8/23</a:t>
+              <a:t>2016/8/24</a:t>
             </a:fld>
             <a:endParaRPr lang="zh-CN" altLang="en-US"/>
           </a:p>
@@ -4018,7 +4018,7 @@
           <a:p>
             <a:fld id="{236DEB8F-1078-4B41-AFE9-1FE79B8C146D}" type="datetimeFigureOut">
               <a:rPr lang="zh-CN" altLang="en-US" smtClean="0"/>
-              <a:t>2016/8/23</a:t>
+              <a:t>2016/8/24</a:t>
             </a:fld>
             <a:endParaRPr lang="zh-CN" altLang="en-US"/>
           </a:p>
@@ -4464,7 +4464,7 @@
           <a:p>
             <a:fld id="{236DEB8F-1078-4B41-AFE9-1FE79B8C146D}" type="datetimeFigureOut">
               <a:rPr lang="zh-CN" altLang="en-US" smtClean="0"/>
-              <a:t>2016/8/23</a:t>
+              <a:t>2016/8/24</a:t>
             </a:fld>
             <a:endParaRPr lang="zh-CN" altLang="en-US"/>
           </a:p>
@@ -4594,7 +4594,7 @@
           <a:p>
             <a:fld id="{236DEB8F-1078-4B41-AFE9-1FE79B8C146D}" type="datetimeFigureOut">
               <a:rPr lang="zh-CN" altLang="en-US" smtClean="0"/>
-              <a:t>2016/8/23</a:t>
+              <a:t>2016/8/24</a:t>
             </a:fld>
             <a:endParaRPr lang="zh-CN" altLang="en-US"/>
           </a:p>
@@ -4701,7 +4701,7 @@
           <a:p>
             <a:fld id="{236DEB8F-1078-4B41-AFE9-1FE79B8C146D}" type="datetimeFigureOut">
               <a:rPr lang="zh-CN" altLang="en-US" smtClean="0"/>
-              <a:t>2016/8/23</a:t>
+              <a:t>2016/8/24</a:t>
             </a:fld>
             <a:endParaRPr lang="zh-CN" altLang="en-US"/>
           </a:p>
@@ -4990,7 +4990,7 @@
           <a:p>
             <a:fld id="{236DEB8F-1078-4B41-AFE9-1FE79B8C146D}" type="datetimeFigureOut">
               <a:rPr lang="zh-CN" altLang="en-US" smtClean="0"/>
-              <a:t>2016/8/23</a:t>
+              <a:t>2016/8/24</a:t>
             </a:fld>
             <a:endParaRPr lang="zh-CN" altLang="en-US"/>
           </a:p>
@@ -5259,7 +5259,7 @@
           <a:p>
             <a:fld id="{236DEB8F-1078-4B41-AFE9-1FE79B8C146D}" type="datetimeFigureOut">
               <a:rPr lang="zh-CN" altLang="en-US" smtClean="0"/>
-              <a:t>2016/8/23</a:t>
+              <a:t>2016/8/24</a:t>
             </a:fld>
             <a:endParaRPr lang="zh-CN" altLang="en-US"/>
           </a:p>
@@ -5541,7 +5541,7 @@
           <a:p>
             <a:fld id="{236DEB8F-1078-4B41-AFE9-1FE79B8C146D}" type="datetimeFigureOut">
               <a:rPr lang="zh-CN" altLang="en-US" smtClean="0"/>
-              <a:t>2016/8/23</a:t>
+              <a:t>2016/8/24</a:t>
             </a:fld>
             <a:endParaRPr lang="zh-CN" altLang="en-US"/>
           </a:p>
@@ -6540,15 +6540,37 @@
                 <a:ea typeface="宋体" panose="02010600030101010101" pitchFamily="2" charset="-122"/>
                 <a:cs typeface="Times New Roman" panose="02020603050405020304" pitchFamily="18" charset="0"/>
               </a:rPr>
-              <a:t>文法单元得到目标码</a:t>
+              <a:t>文法单元得到</a:t>
+            </a:r>
+            <a:r>
+              <a:rPr lang="zh-CN" altLang="en-US" sz="1800" dirty="0">
+                <a:solidFill>
+                  <a:srgbClr val="FF0000"/>
+                </a:solidFill>
+                <a:latin typeface="宋体" panose="02010600030101010101" pitchFamily="2" charset="-122"/>
+                <a:ea typeface="宋体" panose="02010600030101010101" pitchFamily="2" charset="-122"/>
+                <a:cs typeface="Times New Roman" panose="02020603050405020304" pitchFamily="18" charset="0"/>
+              </a:rPr>
+              <a:t>目标码</a:t>
             </a:r>
             <a:r>
               <a:rPr lang="zh-CN" altLang="en-US" sz="1800" dirty="0" smtClean="0">
-                <a:latin typeface="宋体" panose="02010600030101010101" pitchFamily="2" charset="-122"/>
-                <a:ea typeface="宋体" panose="02010600030101010101" pitchFamily="2" charset="-122"/>
-                <a:cs typeface="Times New Roman" panose="02020603050405020304" pitchFamily="18" charset="0"/>
-              </a:rPr>
-              <a:t>序列。</a:t>
+                <a:solidFill>
+                  <a:srgbClr val="FF0000"/>
+                </a:solidFill>
+                <a:latin typeface="宋体" panose="02010600030101010101" pitchFamily="2" charset="-122"/>
+                <a:ea typeface="宋体" panose="02010600030101010101" pitchFamily="2" charset="-122"/>
+                <a:cs typeface="Times New Roman" panose="02020603050405020304" pitchFamily="18" charset="0"/>
+              </a:rPr>
+              <a:t>序列</a:t>
+            </a:r>
+            <a:r>
+              <a:rPr lang="zh-CN" altLang="en-US" sz="1800" dirty="0" smtClean="0">
+                <a:latin typeface="宋体" panose="02010600030101010101" pitchFamily="2" charset="-122"/>
+                <a:ea typeface="宋体" panose="02010600030101010101" pitchFamily="2" charset="-122"/>
+                <a:cs typeface="Times New Roman" panose="02020603050405020304" pitchFamily="18" charset="0"/>
+              </a:rPr>
+              <a:t>。</a:t>
             </a:r>
             <a:endParaRPr lang="en-US" altLang="zh-CN" sz="1800" dirty="0" smtClean="0">
               <a:latin typeface="宋体" panose="02010600030101010101" pitchFamily="2" charset="-122"/>
@@ -6573,31 +6595,18 @@
                 <a:ea typeface="宋体" panose="02010600030101010101" pitchFamily="2" charset="-122"/>
                 <a:cs typeface="Times New Roman" panose="02020603050405020304" pitchFamily="18" charset="0"/>
               </a:rPr>
-              <a:t>命题 </a:t>
-            </a:r>
-            <a:r>
-              <a:rPr lang="en-US" altLang="zh-CN" sz="1800" dirty="0" smtClean="0">
-                <a:latin typeface="宋体" panose="02010600030101010101" pitchFamily="2" charset="-122"/>
-                <a:ea typeface="宋体" panose="02010600030101010101" pitchFamily="2" charset="-122"/>
-                <a:cs typeface="Times New Roman" panose="02020603050405020304" pitchFamily="18" charset="0"/>
-              </a:rPr>
-              <a:t>= </a:t>
+              <a:t>命题是以每条指令的指称语义作为专用公理使用</a:t>
             </a:r>
             <a:r>
               <a:rPr lang="zh-CN" altLang="en-US" sz="1800" dirty="0" smtClean="0">
-                <a:latin typeface="宋体" panose="02010600030101010101" pitchFamily="2" charset="-122"/>
-                <a:ea typeface="宋体" panose="02010600030101010101" pitchFamily="2" charset="-122"/>
-                <a:cs typeface="Times New Roman" panose="02020603050405020304" pitchFamily="18" charset="0"/>
-              </a:rPr>
-              <a:t>目标码模式 </a:t>
-            </a:r>
-            <a:r>
-              <a:rPr lang="en-US" altLang="zh-CN" sz="1800" dirty="0" smtClean="0">
-                <a:latin typeface="宋体" panose="02010600030101010101" pitchFamily="2" charset="-122"/>
-                <a:ea typeface="宋体" panose="02010600030101010101" pitchFamily="2" charset="-122"/>
-                <a:cs typeface="Times New Roman" panose="02020603050405020304" pitchFamily="18" charset="0"/>
-              </a:rPr>
-              <a:t>+ </a:t>
+                <a:solidFill>
+                  <a:srgbClr val="FF0000"/>
+                </a:solidFill>
+                <a:latin typeface="宋体" panose="02010600030101010101" pitchFamily="2" charset="-122"/>
+                <a:ea typeface="宋体" panose="02010600030101010101" pitchFamily="2" charset="-122"/>
+                <a:cs typeface="Times New Roman" panose="02020603050405020304" pitchFamily="18" charset="0"/>
+              </a:rPr>
+              <a:t>命题映射算法</a:t>
             </a:r>
             <a:r>
               <a:rPr lang="zh-CN" altLang="en-US" sz="1800" dirty="0" smtClean="0">
@@ -6605,24 +6614,25 @@
                 <a:ea typeface="宋体" panose="02010600030101010101" pitchFamily="2" charset="-122"/>
                 <a:cs typeface="Times New Roman" panose="02020603050405020304" pitchFamily="18" charset="0"/>
               </a:rPr>
-              <a:t>每条指令的指称语义 </a:t>
-            </a:r>
-            <a:r>
-              <a:rPr lang="en-US" altLang="zh-CN" sz="1800" dirty="0" smtClean="0">
-                <a:latin typeface="宋体" panose="02010600030101010101" pitchFamily="2" charset="-122"/>
-                <a:ea typeface="宋体" panose="02010600030101010101" pitchFamily="2" charset="-122"/>
-                <a:cs typeface="Times New Roman" panose="02020603050405020304" pitchFamily="18" charset="0"/>
-              </a:rPr>
-              <a:t>+ </a:t>
-            </a:r>
-            <a:r>
-              <a:rPr lang="zh-CN" altLang="en-US" sz="1800" dirty="0" smtClean="0">
-                <a:latin typeface="宋体" panose="02010600030101010101" pitchFamily="2" charset="-122"/>
-                <a:ea typeface="宋体" panose="02010600030101010101" pitchFamily="2" charset="-122"/>
-                <a:cs typeface="Times New Roman" panose="02020603050405020304" pitchFamily="18" charset="0"/>
-              </a:rPr>
-              <a:t>命题映射算法</a:t>
-            </a:r>
+              <a:t>变化目标码模式而得到的。</a:t>
+            </a:r>
+            <a:endParaRPr lang="en-US" altLang="zh-CN" sz="1800" dirty="0" smtClean="0">
+              <a:latin typeface="宋体" panose="02010600030101010101" pitchFamily="2" charset="-122"/>
+              <a:ea typeface="宋体" panose="02010600030101010101" pitchFamily="2" charset="-122"/>
+              <a:cs typeface="Times New Roman" panose="02020603050405020304" pitchFamily="18" charset="0"/>
+            </a:endParaRPr>
+          </a:p>
+          <a:p>
+            <a:pPr algn="just">
+              <a:spcBef>
+                <a:spcPts val="600"/>
+              </a:spcBef>
+              <a:spcAft>
+                <a:spcPts val="600"/>
+              </a:spcAft>
+              <a:buFont typeface="Wingdings" panose="05000000000000000000" pitchFamily="2" charset="2"/>
+              <a:buChar char="Ø"/>
+            </a:pPr>
             <a:endParaRPr lang="en-US" altLang="zh-CN" sz="1800" dirty="0" smtClean="0">
               <a:latin typeface="宋体" panose="02010600030101010101" pitchFamily="2" charset="-122"/>
               <a:ea typeface="宋体" panose="02010600030101010101" pitchFamily="2" charset="-122"/>
@@ -6690,7 +6700,7 @@
           <a:p>
             <a:pPr latinLnBrk="1"/>
             <a:r>
-              <a:rPr kumimoji="1" lang="zh-CN" altLang="en-US" sz="2000" b="1">
+              <a:rPr kumimoji="1" lang="zh-CN" altLang="en-US" sz="2000" b="1" dirty="0">
                 <a:solidFill>
                   <a:schemeClr val="tx1"/>
                 </a:solidFill>
@@ -6700,33 +6710,25 @@
               </a:rPr>
               <a:t>目标码模式和命题</a:t>
             </a:r>
-            <a:endParaRPr kumimoji="1" lang="zh-CN" altLang="en-US" sz="2000" b="1" dirty="0">
-              <a:solidFill>
-                <a:schemeClr val="tx1"/>
-              </a:solidFill>
-              <a:latin typeface="Times New Roman" panose="02020603050405020304" pitchFamily="18" charset="0"/>
-              <a:ea typeface="宋体" panose="02010600030101010101" pitchFamily="2" charset="-122"/>
-              <a:cs typeface="Times New Roman" panose="02020603050405020304" pitchFamily="18" charset="0"/>
-            </a:endParaRPr>
           </a:p>
         </p:txBody>
       </p:sp>
       <p:graphicFrame>
         <p:nvGraphicFramePr>
-          <p:cNvPr id="4" name="表格 3"/>
+          <p:cNvPr id="8" name="表格 7"/>
           <p:cNvGraphicFramePr>
             <a:graphicFrameLocks noGrp="1"/>
           </p:cNvGraphicFramePr>
           <p:nvPr>
             <p:extLst>
               <p:ext uri="{D42A27DB-BD31-4B8C-83A1-F6EECF244321}">
-                <p14:modId xmlns:p14="http://schemas.microsoft.com/office/powerpoint/2010/main" val="704816348"/>
+                <p14:modId xmlns:p14="http://schemas.microsoft.com/office/powerpoint/2010/main" val="3593263639"/>
               </p:ext>
             </p:extLst>
           </p:nvPr>
         </p:nvGraphicFramePr>
         <p:xfrm>
-          <a:off x="994605" y="2192488"/>
+          <a:off x="910199" y="2185454"/>
           <a:ext cx="7460078" cy="4225390"/>
         </p:xfrm>
         <a:graphic>
@@ -7588,7 +7590,7 @@
                                           </p:stCondLst>
                                         </p:cTn>
                                         <p:tgtEl>
-                                          <p:spTgt spid="4"/>
+                                          <p:spTgt spid="8"/>
                                         </p:tgtEl>
                                         <p:attrNameLst>
                                           <p:attrName>style.visibility</p:attrName>
@@ -7602,7 +7604,7 @@
                                       <p:cBhvr>
                                         <p:cTn id="7" dur="1000"/>
                                         <p:tgtEl>
-                                          <p:spTgt spid="4"/>
+                                          <p:spTgt spid="8"/>
                                         </p:tgtEl>
                                       </p:cBhvr>
                                     </p:animEffect>
@@ -7610,7 +7612,7 @@
                                       <p:cBhvr>
                                         <p:cTn id="8" dur="1000" fill="hold"/>
                                         <p:tgtEl>
-                                          <p:spTgt spid="4"/>
+                                          <p:spTgt spid="8"/>
                                         </p:tgtEl>
                                         <p:attrNameLst>
                                           <p:attrName>ppt_x</p:attrName>
@@ -7633,7 +7635,7 @@
                                       <p:cBhvr>
                                         <p:cTn id="9" dur="1000" fill="hold"/>
                                         <p:tgtEl>
-                                          <p:spTgt spid="4"/>
+                                          <p:spTgt spid="8"/>
                                         </p:tgtEl>
                                         <p:attrNameLst>
                                           <p:attrName>ppt_y</p:attrName>
@@ -7784,6 +7786,54 @@
             </a:endParaRPr>
           </a:p>
           <a:p>
+            <a:pPr marL="0" indent="0" algn="just">
+              <a:spcBef>
+                <a:spcPts val="600"/>
+              </a:spcBef>
+              <a:spcAft>
+                <a:spcPts val="600"/>
+              </a:spcAft>
+              <a:buNone/>
+            </a:pPr>
+            <a:r>
+              <a:rPr lang="en-US" altLang="zh-CN" sz="1800" dirty="0" smtClean="0">
+                <a:latin typeface="宋体" panose="02010600030101010101" pitchFamily="2" charset="-122"/>
+                <a:ea typeface="宋体" panose="02010600030101010101" pitchFamily="2" charset="-122"/>
+                <a:cs typeface="Times New Roman" panose="02020603050405020304" pitchFamily="18" charset="0"/>
+              </a:rPr>
+              <a:t>    </a:t>
+            </a:r>
+            <a:r>
+              <a:rPr lang="zh-CN" altLang="en-US" sz="1800" dirty="0" smtClean="0">
+                <a:latin typeface="宋体" panose="02010600030101010101" pitchFamily="2" charset="-122"/>
+                <a:ea typeface="宋体" panose="02010600030101010101" pitchFamily="2" charset="-122"/>
+                <a:cs typeface="Times New Roman" panose="02020603050405020304" pitchFamily="18" charset="0"/>
+              </a:rPr>
+              <a:t>命题</a:t>
+            </a:r>
+            <a:r>
+              <a:rPr lang="zh-CN" altLang="en-US" sz="1800" dirty="0">
+                <a:latin typeface="宋体" panose="02010600030101010101" pitchFamily="2" charset="-122"/>
+                <a:ea typeface="宋体" panose="02010600030101010101" pitchFamily="2" charset="-122"/>
+                <a:cs typeface="Times New Roman" panose="02020603050405020304" pitchFamily="18" charset="0"/>
+              </a:rPr>
+              <a:t>映射算法的作用是把目标码模式转换为命题的形式，以方便进行后续的推理证明</a:t>
+            </a:r>
+            <a:r>
+              <a:rPr lang="zh-CN" altLang="en-US" sz="1800" dirty="0" smtClean="0">
+                <a:latin typeface="宋体" panose="02010600030101010101" pitchFamily="2" charset="-122"/>
+                <a:ea typeface="宋体" panose="02010600030101010101" pitchFamily="2" charset="-122"/>
+                <a:cs typeface="Times New Roman" panose="02020603050405020304" pitchFamily="18" charset="0"/>
+              </a:rPr>
+              <a:t>。</a:t>
+            </a:r>
+            <a:endParaRPr lang="en-US" altLang="zh-CN" sz="1800" dirty="0" smtClean="0">
+              <a:latin typeface="宋体" panose="02010600030101010101" pitchFamily="2" charset="-122"/>
+              <a:ea typeface="宋体" panose="02010600030101010101" pitchFamily="2" charset="-122"/>
+              <a:cs typeface="Times New Roman" panose="02020603050405020304" pitchFamily="18" charset="0"/>
+            </a:endParaRPr>
+          </a:p>
+          <a:p>
             <a:pPr algn="just">
               <a:spcBef>
                 <a:spcPts val="600"/>
@@ -7795,12 +7845,47 @@
               <a:buChar char="Ø"/>
             </a:pPr>
             <a:r>
+              <a:rPr lang="zh-CN" altLang="en-US" sz="1800" dirty="0" smtClean="0">
+                <a:latin typeface="宋体" panose="02010600030101010101" pitchFamily="2" charset="-122"/>
+                <a:ea typeface="宋体" panose="02010600030101010101" pitchFamily="2" charset="-122"/>
+                <a:cs typeface="Times New Roman" panose="02020603050405020304" pitchFamily="18" charset="0"/>
+              </a:rPr>
+              <a:t>算法</a:t>
+            </a:r>
+            <a:r>
               <a:rPr lang="zh-CN" altLang="en-US" sz="1800" dirty="0">
                 <a:latin typeface="宋体" panose="02010600030101010101" pitchFamily="2" charset="-122"/>
                 <a:ea typeface="宋体" panose="02010600030101010101" pitchFamily="2" charset="-122"/>
                 <a:cs typeface="Times New Roman" panose="02020603050405020304" pitchFamily="18" charset="0"/>
               </a:rPr>
-              <a:t>命题映射算法的作用是把目标码模式转换为命题的形式，以方便进行后续的推理证明</a:t>
+              <a:t>中需要把</a:t>
+            </a:r>
+            <a:r>
+              <a:rPr lang="en-US" altLang="zh-CN" sz="1800" dirty="0">
+                <a:latin typeface="宋体" panose="02010600030101010101" pitchFamily="2" charset="-122"/>
+                <a:ea typeface="宋体" panose="02010600030101010101" pitchFamily="2" charset="-122"/>
+                <a:cs typeface="Times New Roman" panose="02020603050405020304" pitchFamily="18" charset="0"/>
+              </a:rPr>
+              <a:t>Power PC</a:t>
+            </a:r>
+            <a:r>
+              <a:rPr lang="zh-CN" altLang="en-US" sz="1800" dirty="0">
+                <a:latin typeface="宋体" panose="02010600030101010101" pitchFamily="2" charset="-122"/>
+                <a:ea typeface="宋体" panose="02010600030101010101" pitchFamily="2" charset="-122"/>
+                <a:cs typeface="Times New Roman" panose="02020603050405020304" pitchFamily="18" charset="0"/>
+              </a:rPr>
+              <a:t>指令集中每条指令对应的指称语义作为</a:t>
+            </a:r>
+            <a:r>
+              <a:rPr lang="zh-CN" altLang="en-US" sz="1800" dirty="0">
+                <a:solidFill>
+                  <a:srgbClr val="FF0000"/>
+                </a:solidFill>
+                <a:latin typeface="宋体" panose="02010600030101010101" pitchFamily="2" charset="-122"/>
+                <a:ea typeface="宋体" panose="02010600030101010101" pitchFamily="2" charset="-122"/>
+                <a:cs typeface="Times New Roman" panose="02020603050405020304" pitchFamily="18" charset="0"/>
+              </a:rPr>
+              <a:t>专用公理</a:t>
             </a:r>
             <a:r>
               <a:rPr lang="zh-CN" altLang="en-US" sz="1800" dirty="0" smtClean="0">
@@ -7808,7 +7893,7 @@
                 <a:ea typeface="宋体" panose="02010600030101010101" pitchFamily="2" charset="-122"/>
                 <a:cs typeface="Times New Roman" panose="02020603050405020304" pitchFamily="18" charset="0"/>
               </a:rPr>
-              <a:t>。</a:t>
+              <a:t>输入；</a:t>
             </a:r>
             <a:endParaRPr lang="en-US" altLang="zh-CN" sz="1800" dirty="0" smtClean="0">
               <a:latin typeface="宋体" panose="02010600030101010101" pitchFamily="2" charset="-122"/>
@@ -7833,7 +7918,7 @@
                 <a:ea typeface="宋体" panose="02010600030101010101" pitchFamily="2" charset="-122"/>
                 <a:cs typeface="Times New Roman" panose="02020603050405020304" pitchFamily="18" charset="0"/>
               </a:rPr>
-              <a:t>算法</a:t>
+              <a:t>逐条</a:t>
             </a:r>
             <a:r>
               <a:rPr lang="zh-CN" altLang="en-US" sz="1800" dirty="0">
@@ -7841,56 +7926,18 @@
                 <a:ea typeface="宋体" panose="02010600030101010101" pitchFamily="2" charset="-122"/>
                 <a:cs typeface="Times New Roman" panose="02020603050405020304" pitchFamily="18" charset="0"/>
               </a:rPr>
-              <a:t>中需要把</a:t>
-            </a:r>
-            <a:r>
-              <a:rPr lang="en-US" altLang="zh-CN" sz="1800" dirty="0">
-                <a:latin typeface="宋体" panose="02010600030101010101" pitchFamily="2" charset="-122"/>
-                <a:ea typeface="宋体" panose="02010600030101010101" pitchFamily="2" charset="-122"/>
-                <a:cs typeface="Times New Roman" panose="02020603050405020304" pitchFamily="18" charset="0"/>
-              </a:rPr>
-              <a:t>Power PC</a:t>
+              <a:t>遍历输入的目标码模式，把每条目标码转化为对应的</a:t>
             </a:r>
             <a:r>
               <a:rPr lang="zh-CN" altLang="en-US" sz="1800" dirty="0">
-                <a:latin typeface="宋体" panose="02010600030101010101" pitchFamily="2" charset="-122"/>
-                <a:ea typeface="宋体" panose="02010600030101010101" pitchFamily="2" charset="-122"/>
-                <a:cs typeface="Times New Roman" panose="02020603050405020304" pitchFamily="18" charset="0"/>
-              </a:rPr>
-              <a:t>指令集中每条指令对应的指称语义作为专用公理</a:t>
-            </a:r>
-            <a:r>
-              <a:rPr lang="zh-CN" altLang="en-US" sz="1800" dirty="0" smtClean="0">
-                <a:latin typeface="宋体" panose="02010600030101010101" pitchFamily="2" charset="-122"/>
-                <a:ea typeface="宋体" panose="02010600030101010101" pitchFamily="2" charset="-122"/>
-                <a:cs typeface="Times New Roman" panose="02020603050405020304" pitchFamily="18" charset="0"/>
-              </a:rPr>
-              <a:t>输入；</a:t>
-            </a:r>
-            <a:endParaRPr lang="en-US" altLang="zh-CN" sz="1800" dirty="0" smtClean="0">
-              <a:latin typeface="宋体" panose="02010600030101010101" pitchFamily="2" charset="-122"/>
-              <a:ea typeface="宋体" panose="02010600030101010101" pitchFamily="2" charset="-122"/>
-              <a:cs typeface="Times New Roman" panose="02020603050405020304" pitchFamily="18" charset="0"/>
-            </a:endParaRPr>
-          </a:p>
-          <a:p>
-            <a:pPr algn="just">
-              <a:spcBef>
-                <a:spcPts val="600"/>
-              </a:spcBef>
-              <a:spcAft>
-                <a:spcPts val="600"/>
-              </a:spcAft>
-              <a:buFont typeface="Wingdings" panose="05000000000000000000" pitchFamily="2" charset="2"/>
-              <a:buChar char="Ø"/>
-            </a:pPr>
-            <a:r>
-              <a:rPr lang="zh-CN" altLang="en-US" sz="1800" dirty="0" smtClean="0">
-                <a:latin typeface="宋体" panose="02010600030101010101" pitchFamily="2" charset="-122"/>
-                <a:ea typeface="宋体" panose="02010600030101010101" pitchFamily="2" charset="-122"/>
-                <a:cs typeface="Times New Roman" panose="02020603050405020304" pitchFamily="18" charset="0"/>
-              </a:rPr>
-              <a:t>逐条</a:t>
+                <a:solidFill>
+                  <a:srgbClr val="FF0000"/>
+                </a:solidFill>
+                <a:latin typeface="宋体" panose="02010600030101010101" pitchFamily="2" charset="-122"/>
+                <a:ea typeface="宋体" panose="02010600030101010101" pitchFamily="2" charset="-122"/>
+                <a:cs typeface="Times New Roman" panose="02020603050405020304" pitchFamily="18" charset="0"/>
+              </a:rPr>
+              <a:t>指称语义</a:t>
             </a:r>
             <a:r>
               <a:rPr lang="zh-CN" altLang="en-US" sz="1800" dirty="0">
@@ -7898,7 +7945,7 @@
                 <a:ea typeface="宋体" panose="02010600030101010101" pitchFamily="2" charset="-122"/>
                 <a:cs typeface="Times New Roman" panose="02020603050405020304" pitchFamily="18" charset="0"/>
               </a:rPr>
-              <a:t>遍历输入的目标码模式，把每条目标码转化为对应的指称语义的</a:t>
+              <a:t>的</a:t>
             </a:r>
             <a:r>
               <a:rPr lang="zh-CN" altLang="en-US" sz="1800" dirty="0" smtClean="0">
@@ -8039,7 +8086,7 @@
       </p:sp>
       <p:pic>
         <p:nvPicPr>
-          <p:cNvPr id="4" name="图片 3" descr="屏幕剪辑"/>
+          <p:cNvPr id="8" name="图片 7" descr="屏幕剪辑"/>
           <p:cNvPicPr>
             <a:picLocks noChangeAspect="1"/>
           </p:cNvPicPr>
@@ -8059,8 +8106,8 @@
         </p:blipFill>
         <p:spPr>
           <a:xfrm>
-            <a:off x="1422669" y="3019597"/>
-            <a:ext cx="6298662" cy="3468751"/>
+            <a:off x="909198" y="2323246"/>
+            <a:ext cx="7144555" cy="3934595"/>
           </a:xfrm>
           <a:prstGeom prst="rect">
             <a:avLst/>
@@ -8111,7 +8158,7 @@
                                           </p:stCondLst>
                                         </p:cTn>
                                         <p:tgtEl>
-                                          <p:spTgt spid="4"/>
+                                          <p:spTgt spid="8"/>
                                         </p:tgtEl>
                                         <p:attrNameLst>
                                           <p:attrName>style.visibility</p:attrName>
@@ -8125,7 +8172,7 @@
                                       <p:cBhvr>
                                         <p:cTn id="7" dur="1000"/>
                                         <p:tgtEl>
-                                          <p:spTgt spid="4"/>
+                                          <p:spTgt spid="8"/>
                                         </p:tgtEl>
                                       </p:cBhvr>
                                     </p:animEffect>
@@ -8133,7 +8180,7 @@
                                       <p:cBhvr>
                                         <p:cTn id="8" dur="1000" fill="hold"/>
                                         <p:tgtEl>
-                                          <p:spTgt spid="4"/>
+                                          <p:spTgt spid="8"/>
                                         </p:tgtEl>
                                         <p:attrNameLst>
                                           <p:attrName>ppt_x</p:attrName>
@@ -8156,7 +8203,7 @@
                                       <p:cBhvr>
                                         <p:cTn id="9" dur="1000" fill="hold"/>
                                         <p:tgtEl>
-                                          <p:spTgt spid="4"/>
+                                          <p:spTgt spid="8"/>
                                         </p:tgtEl>
                                         <p:attrNameLst>
                                           <p:attrName>ppt_y</p:attrName>
@@ -8307,6 +8354,62 @@
             </a:endParaRPr>
           </a:p>
           <a:p>
+            <a:pPr marL="0" indent="0" algn="just">
+              <a:spcBef>
+                <a:spcPts val="600"/>
+              </a:spcBef>
+              <a:spcAft>
+                <a:spcPts val="600"/>
+              </a:spcAft>
+              <a:buNone/>
+            </a:pPr>
+            <a:r>
+              <a:rPr lang="en-US" altLang="zh-CN" sz="1800" dirty="0">
+                <a:latin typeface="宋体" panose="02010600030101010101" pitchFamily="2" charset="-122"/>
+                <a:ea typeface="宋体" panose="02010600030101010101" pitchFamily="2" charset="-122"/>
+                <a:cs typeface="Times New Roman" panose="02020603050405020304" pitchFamily="18" charset="0"/>
+              </a:rPr>
+              <a:t> </a:t>
+            </a:r>
+            <a:r>
+              <a:rPr lang="en-US" altLang="zh-CN" sz="1800" dirty="0" smtClean="0">
+                <a:latin typeface="宋体" panose="02010600030101010101" pitchFamily="2" charset="-122"/>
+                <a:ea typeface="宋体" panose="02010600030101010101" pitchFamily="2" charset="-122"/>
+                <a:cs typeface="Times New Roman" panose="02020603050405020304" pitchFamily="18" charset="0"/>
+              </a:rPr>
+              <a:t>   </a:t>
+            </a:r>
+            <a:r>
+              <a:rPr lang="zh-CN" altLang="en-US" sz="1800" dirty="0" smtClean="0">
+                <a:latin typeface="宋体" panose="02010600030101010101" pitchFamily="2" charset="-122"/>
+                <a:ea typeface="宋体" panose="02010600030101010101" pitchFamily="2" charset="-122"/>
+                <a:cs typeface="Times New Roman" panose="02020603050405020304" pitchFamily="18" charset="0"/>
+              </a:rPr>
+              <a:t>自动推理</a:t>
+            </a:r>
+            <a:r>
+              <a:rPr lang="zh-CN" altLang="en-US" sz="1800" dirty="0">
+                <a:latin typeface="宋体" panose="02010600030101010101" pitchFamily="2" charset="-122"/>
+                <a:ea typeface="宋体" panose="02010600030101010101" pitchFamily="2" charset="-122"/>
+                <a:cs typeface="Times New Roman" panose="02020603050405020304" pitchFamily="18" charset="0"/>
+              </a:rPr>
+              <a:t>算法是本文提出的形式验证方法的核心</a:t>
+            </a:r>
+            <a:r>
+              <a:rPr lang="zh-CN" altLang="en-US" sz="1800" dirty="0" smtClean="0">
+                <a:latin typeface="宋体" panose="02010600030101010101" pitchFamily="2" charset="-122"/>
+                <a:ea typeface="宋体" panose="02010600030101010101" pitchFamily="2" charset="-122"/>
+                <a:cs typeface="Times New Roman" panose="02020603050405020304" pitchFamily="18" charset="0"/>
+              </a:rPr>
+              <a:t>。</a:t>
+            </a:r>
+            <a:endParaRPr lang="en-US" altLang="zh-CN" sz="1800" dirty="0" smtClean="0">
+              <a:latin typeface="宋体" panose="02010600030101010101" pitchFamily="2" charset="-122"/>
+              <a:ea typeface="宋体" panose="02010600030101010101" pitchFamily="2" charset="-122"/>
+              <a:cs typeface="Times New Roman" panose="02020603050405020304" pitchFamily="18" charset="0"/>
+            </a:endParaRPr>
+          </a:p>
+          <a:p>
             <a:pPr algn="just">
               <a:spcBef>
                 <a:spcPts val="600"/>
@@ -8317,7 +8420,329 @@
               <a:buFont typeface="Wingdings" panose="05000000000000000000" pitchFamily="2" charset="2"/>
               <a:buChar char="Ø"/>
             </a:pPr>
-            <a:endParaRPr lang="en-US" altLang="zh-CN" sz="1800" dirty="0">
+            <a:r>
+              <a:rPr lang="zh-CN" altLang="en-US" sz="1800" dirty="0" smtClean="0">
+                <a:latin typeface="宋体" panose="02010600030101010101" pitchFamily="2" charset="-122"/>
+                <a:ea typeface="宋体" panose="02010600030101010101" pitchFamily="2" charset="-122"/>
+                <a:cs typeface="Times New Roman" panose="02020603050405020304" pitchFamily="18" charset="0"/>
+              </a:rPr>
+              <a:t>本算法以命题</a:t>
+            </a:r>
+            <a:r>
+              <a:rPr lang="zh-CN" altLang="en-US" sz="1800" dirty="0">
+                <a:latin typeface="宋体" panose="02010600030101010101" pitchFamily="2" charset="-122"/>
+                <a:ea typeface="宋体" panose="02010600030101010101" pitchFamily="2" charset="-122"/>
+                <a:cs typeface="Times New Roman" panose="02020603050405020304" pitchFamily="18" charset="0"/>
+              </a:rPr>
+              <a:t>映射算法输出的命题集和一阶逻辑的公理集为前提，根据推理规则推导出一系列新</a:t>
+            </a:r>
+            <a:r>
+              <a:rPr lang="zh-CN" altLang="en-US" sz="1800" dirty="0" smtClean="0">
+                <a:latin typeface="宋体" panose="02010600030101010101" pitchFamily="2" charset="-122"/>
+                <a:ea typeface="宋体" panose="02010600030101010101" pitchFamily="2" charset="-122"/>
+                <a:cs typeface="Times New Roman" panose="02020603050405020304" pitchFamily="18" charset="0"/>
+              </a:rPr>
+              <a:t>命题；</a:t>
+            </a:r>
+            <a:endParaRPr lang="en-US" altLang="zh-CN" sz="1800" dirty="0" smtClean="0">
+              <a:latin typeface="宋体" panose="02010600030101010101" pitchFamily="2" charset="-122"/>
+              <a:ea typeface="宋体" panose="02010600030101010101" pitchFamily="2" charset="-122"/>
+              <a:cs typeface="Times New Roman" panose="02020603050405020304" pitchFamily="18" charset="0"/>
+            </a:endParaRPr>
+          </a:p>
+          <a:p>
+            <a:pPr algn="just">
+              <a:spcBef>
+                <a:spcPts val="600"/>
+              </a:spcBef>
+              <a:spcAft>
+                <a:spcPts val="600"/>
+              </a:spcAft>
+              <a:buFont typeface="Wingdings" panose="05000000000000000000" pitchFamily="2" charset="2"/>
+              <a:buChar char="Ø"/>
+            </a:pPr>
+            <a:r>
+              <a:rPr lang="zh-CN" altLang="en-US" sz="1800" dirty="0" smtClean="0">
+                <a:latin typeface="宋体" panose="02010600030101010101" pitchFamily="2" charset="-122"/>
+                <a:ea typeface="宋体" panose="02010600030101010101" pitchFamily="2" charset="-122"/>
+                <a:cs typeface="Times New Roman" panose="02020603050405020304" pitchFamily="18" charset="0"/>
+              </a:rPr>
+              <a:t>把</a:t>
+            </a:r>
+            <a:r>
+              <a:rPr lang="zh-CN" altLang="en-US" sz="1800" dirty="0">
+                <a:latin typeface="宋体" panose="02010600030101010101" pitchFamily="2" charset="-122"/>
+                <a:ea typeface="宋体" panose="02010600030101010101" pitchFamily="2" charset="-122"/>
+                <a:cs typeface="Times New Roman" panose="02020603050405020304" pitchFamily="18" charset="0"/>
+              </a:rPr>
+              <a:t>这些新的命题加入前提中进行后续的证明，最终可以构造出证明序列并得到结论</a:t>
+            </a:r>
+            <a:r>
+              <a:rPr lang="zh-CN" altLang="en-US" sz="1800" dirty="0" smtClean="0">
+                <a:latin typeface="宋体" panose="02010600030101010101" pitchFamily="2" charset="-122"/>
+                <a:ea typeface="宋体" panose="02010600030101010101" pitchFamily="2" charset="-122"/>
+                <a:cs typeface="Times New Roman" panose="02020603050405020304" pitchFamily="18" charset="0"/>
+              </a:rPr>
+              <a:t>。</a:t>
+            </a:r>
+            <a:endParaRPr lang="en-US" altLang="zh-CN" sz="1800" dirty="0" smtClean="0">
+              <a:latin typeface="宋体" panose="02010600030101010101" pitchFamily="2" charset="-122"/>
+              <a:ea typeface="宋体" panose="02010600030101010101" pitchFamily="2" charset="-122"/>
+              <a:cs typeface="Times New Roman" panose="02020603050405020304" pitchFamily="18" charset="0"/>
+            </a:endParaRPr>
+          </a:p>
+          <a:p>
+            <a:pPr algn="just">
+              <a:spcBef>
+                <a:spcPts val="600"/>
+              </a:spcBef>
+              <a:spcAft>
+                <a:spcPts val="600"/>
+              </a:spcAft>
+              <a:buFont typeface="Wingdings" panose="05000000000000000000" pitchFamily="2" charset="2"/>
+              <a:buChar char="Ø"/>
+            </a:pPr>
+            <a:r>
+              <a:rPr lang="zh-CN" altLang="en-US" sz="1800" dirty="0" smtClean="0">
+                <a:latin typeface="宋体" panose="02010600030101010101" pitchFamily="2" charset="-122"/>
+                <a:ea typeface="宋体" panose="02010600030101010101" pitchFamily="2" charset="-122"/>
+                <a:cs typeface="Times New Roman" panose="02020603050405020304" pitchFamily="18" charset="0"/>
+              </a:rPr>
+              <a:t>主要推理规则：</a:t>
+            </a:r>
+            <a:endParaRPr lang="en-US" altLang="zh-CN" sz="1800" dirty="0" smtClean="0">
+              <a:latin typeface="宋体" panose="02010600030101010101" pitchFamily="2" charset="-122"/>
+              <a:ea typeface="宋体" panose="02010600030101010101" pitchFamily="2" charset="-122"/>
+              <a:cs typeface="Times New Roman" panose="02020603050405020304" pitchFamily="18" charset="0"/>
+            </a:endParaRPr>
+          </a:p>
+          <a:p>
+            <a:pPr lvl="1" algn="just">
+              <a:spcBef>
+                <a:spcPts val="600"/>
+              </a:spcBef>
+              <a:spcAft>
+                <a:spcPts val="600"/>
+              </a:spcAft>
+              <a:buFont typeface="Wingdings" panose="05000000000000000000" pitchFamily="2" charset="2"/>
+              <a:buChar char="Ø"/>
+            </a:pPr>
+            <a:r>
+              <a:rPr lang="en-US" altLang="zh-CN" sz="1400" dirty="0">
+                <a:latin typeface="宋体" panose="02010600030101010101" pitchFamily="2" charset="-122"/>
+                <a:ea typeface="宋体" panose="02010600030101010101" pitchFamily="2" charset="-122"/>
+                <a:cs typeface="Times New Roman" panose="02020603050405020304" pitchFamily="18" charset="0"/>
+              </a:rPr>
+              <a:t>MP(Modus Ponens)</a:t>
+            </a:r>
+            <a:r>
+              <a:rPr lang="zh-CN" altLang="en-US" sz="1400" dirty="0">
+                <a:latin typeface="宋体" panose="02010600030101010101" pitchFamily="2" charset="-122"/>
+                <a:ea typeface="宋体" panose="02010600030101010101" pitchFamily="2" charset="-122"/>
+                <a:cs typeface="Times New Roman" panose="02020603050405020304" pitchFamily="18" charset="0"/>
+              </a:rPr>
+              <a:t>规则</a:t>
+            </a:r>
+            <a:r>
+              <a:rPr lang="zh-CN" altLang="en-US" sz="1400" dirty="0" smtClean="0">
+                <a:latin typeface="宋体" panose="02010600030101010101" pitchFamily="2" charset="-122"/>
+                <a:ea typeface="宋体" panose="02010600030101010101" pitchFamily="2" charset="-122"/>
+                <a:cs typeface="Times New Roman" panose="02020603050405020304" pitchFamily="18" charset="0"/>
+              </a:rPr>
+              <a:t>，即分离</a:t>
+            </a:r>
+            <a:r>
+              <a:rPr lang="zh-CN" altLang="en-US" sz="1400" dirty="0">
+                <a:latin typeface="宋体" panose="02010600030101010101" pitchFamily="2" charset="-122"/>
+                <a:ea typeface="宋体" panose="02010600030101010101" pitchFamily="2" charset="-122"/>
+                <a:cs typeface="Times New Roman" panose="02020603050405020304" pitchFamily="18" charset="0"/>
+              </a:rPr>
+              <a:t>规则（</a:t>
+            </a:r>
+            <a:r>
+              <a:rPr lang="en-US" altLang="zh-CN" sz="1400" dirty="0">
+                <a:latin typeface="宋体" panose="02010600030101010101" pitchFamily="2" charset="-122"/>
+                <a:ea typeface="宋体" panose="02010600030101010101" pitchFamily="2" charset="-122"/>
+                <a:cs typeface="Times New Roman" panose="02020603050405020304" pitchFamily="18" charset="0"/>
+              </a:rPr>
+              <a:t>Rule of Detachment</a:t>
+            </a:r>
+            <a:r>
+              <a:rPr lang="zh-CN" altLang="en-US" sz="1400" dirty="0" smtClean="0">
+                <a:latin typeface="宋体" panose="02010600030101010101" pitchFamily="2" charset="-122"/>
+                <a:ea typeface="宋体" panose="02010600030101010101" pitchFamily="2" charset="-122"/>
+                <a:cs typeface="Times New Roman" panose="02020603050405020304" pitchFamily="18" charset="0"/>
+              </a:rPr>
+              <a:t>），可</a:t>
+            </a:r>
+            <a:r>
+              <a:rPr lang="zh-CN" altLang="en-US" sz="1400" dirty="0">
+                <a:latin typeface="宋体" panose="02010600030101010101" pitchFamily="2" charset="-122"/>
+                <a:ea typeface="宋体" panose="02010600030101010101" pitchFamily="2" charset="-122"/>
+                <a:cs typeface="Times New Roman" panose="02020603050405020304" pitchFamily="18" charset="0"/>
+              </a:rPr>
+              <a:t>表示为</a:t>
+            </a:r>
+            <a:r>
+              <a:rPr lang="zh-CN" altLang="en-US" sz="1400" dirty="0" smtClean="0">
+                <a:latin typeface="宋体" panose="02010600030101010101" pitchFamily="2" charset="-122"/>
+                <a:ea typeface="宋体" panose="02010600030101010101" pitchFamily="2" charset="-122"/>
+                <a:cs typeface="Times New Roman" panose="02020603050405020304" pitchFamily="18" charset="0"/>
+              </a:rPr>
+              <a:t>：</a:t>
+            </a:r>
+            <a:endParaRPr lang="en-US" altLang="zh-CN" sz="1400" dirty="0" smtClean="0">
+              <a:latin typeface="宋体" panose="02010600030101010101" pitchFamily="2" charset="-122"/>
+              <a:ea typeface="宋体" panose="02010600030101010101" pitchFamily="2" charset="-122"/>
+              <a:cs typeface="Times New Roman" panose="02020603050405020304" pitchFamily="18" charset="0"/>
+            </a:endParaRPr>
+          </a:p>
+          <a:p>
+            <a:pPr marL="457200" lvl="1" indent="0" algn="just">
+              <a:spcBef>
+                <a:spcPts val="600"/>
+              </a:spcBef>
+              <a:spcAft>
+                <a:spcPts val="600"/>
+              </a:spcAft>
+              <a:buNone/>
+            </a:pPr>
+            <a:r>
+              <a:rPr lang="en-US" altLang="zh-CN" sz="1400" dirty="0">
+                <a:latin typeface="宋体" panose="02010600030101010101" pitchFamily="2" charset="-122"/>
+                <a:ea typeface="宋体" panose="02010600030101010101" pitchFamily="2" charset="-122"/>
+                <a:cs typeface="Times New Roman" panose="02020603050405020304" pitchFamily="18" charset="0"/>
+              </a:rPr>
+              <a:t>	</a:t>
+            </a:r>
+            <a:r>
+              <a:rPr lang="en-US" altLang="zh-CN" sz="1400" dirty="0" smtClean="0">
+                <a:latin typeface="宋体" panose="02010600030101010101" pitchFamily="2" charset="-122"/>
+                <a:ea typeface="宋体" panose="02010600030101010101" pitchFamily="2" charset="-122"/>
+                <a:cs typeface="Times New Roman" panose="02020603050405020304" pitchFamily="18" charset="0"/>
+              </a:rPr>
+              <a:t>		p </a:t>
+            </a:r>
+            <a:r>
+              <a:rPr lang="en-US" altLang="zh-CN" sz="1400" dirty="0">
+                <a:latin typeface="宋体" panose="02010600030101010101" pitchFamily="2" charset="-122"/>
+                <a:ea typeface="宋体" panose="02010600030101010101" pitchFamily="2" charset="-122"/>
+                <a:cs typeface="Times New Roman" panose="02020603050405020304" pitchFamily="18" charset="0"/>
+              </a:rPr>
+              <a:t>→ q, p ⊢ </a:t>
+            </a:r>
+            <a:r>
+              <a:rPr lang="en-US" altLang="zh-CN" sz="1400" dirty="0" smtClean="0">
+                <a:latin typeface="宋体" panose="02010600030101010101" pitchFamily="2" charset="-122"/>
+                <a:ea typeface="宋体" panose="02010600030101010101" pitchFamily="2" charset="-122"/>
+                <a:cs typeface="Times New Roman" panose="02020603050405020304" pitchFamily="18" charset="0"/>
+              </a:rPr>
+              <a:t>q</a:t>
+            </a:r>
+          </a:p>
+          <a:p>
+            <a:pPr lvl="1" algn="just">
+              <a:spcBef>
+                <a:spcPts val="600"/>
+              </a:spcBef>
+              <a:spcAft>
+                <a:spcPts val="600"/>
+              </a:spcAft>
+              <a:buFont typeface="Wingdings" panose="05000000000000000000" pitchFamily="2" charset="2"/>
+              <a:buChar char="Ø"/>
+            </a:pPr>
+            <a:r>
+              <a:rPr lang="en-US" altLang="zh-CN" sz="1400" dirty="0" smtClean="0">
+                <a:latin typeface="宋体" panose="02010600030101010101" pitchFamily="2" charset="-122"/>
+                <a:ea typeface="宋体" panose="02010600030101010101" pitchFamily="2" charset="-122"/>
+                <a:cs typeface="Times New Roman" panose="02020603050405020304" pitchFamily="18" charset="0"/>
+              </a:rPr>
+              <a:t>CI(Conjunction </a:t>
+            </a:r>
+            <a:r>
+              <a:rPr lang="en-US" altLang="zh-CN" sz="1400" dirty="0">
+                <a:latin typeface="宋体" panose="02010600030101010101" pitchFamily="2" charset="-122"/>
+                <a:ea typeface="宋体" panose="02010600030101010101" pitchFamily="2" charset="-122"/>
+                <a:cs typeface="Times New Roman" panose="02020603050405020304" pitchFamily="18" charset="0"/>
+              </a:rPr>
+              <a:t>Introduction)</a:t>
+            </a:r>
+            <a:r>
+              <a:rPr lang="zh-CN" altLang="en-US" sz="1400" dirty="0">
+                <a:latin typeface="宋体" panose="02010600030101010101" pitchFamily="2" charset="-122"/>
+                <a:ea typeface="宋体" panose="02010600030101010101" pitchFamily="2" charset="-122"/>
+                <a:cs typeface="Times New Roman" panose="02020603050405020304" pitchFamily="18" charset="0"/>
+              </a:rPr>
+              <a:t>规则</a:t>
+            </a:r>
+            <a:r>
+              <a:rPr lang="zh-CN" altLang="en-US" sz="1400" dirty="0" smtClean="0">
+                <a:latin typeface="宋体" panose="02010600030101010101" pitchFamily="2" charset="-122"/>
+                <a:ea typeface="宋体" panose="02010600030101010101" pitchFamily="2" charset="-122"/>
+                <a:cs typeface="Times New Roman" panose="02020603050405020304" pitchFamily="18" charset="0"/>
+              </a:rPr>
+              <a:t>，</a:t>
+            </a:r>
+            <a:r>
+              <a:rPr lang="zh-CN" altLang="en-US" sz="1400" dirty="0">
+                <a:latin typeface="宋体" panose="02010600030101010101" pitchFamily="2" charset="-122"/>
+                <a:ea typeface="宋体" panose="02010600030101010101" pitchFamily="2" charset="-122"/>
+                <a:cs typeface="Times New Roman" panose="02020603050405020304" pitchFamily="18" charset="0"/>
+              </a:rPr>
+              <a:t>即组合规则，可表示为：</a:t>
+            </a:r>
+          </a:p>
+          <a:p>
+            <a:pPr marL="457200" lvl="1" indent="0" algn="just">
+              <a:spcBef>
+                <a:spcPts val="600"/>
+              </a:spcBef>
+              <a:spcAft>
+                <a:spcPts val="600"/>
+              </a:spcAft>
+              <a:buNone/>
+            </a:pPr>
+            <a:r>
+              <a:rPr lang="en-US" altLang="zh-CN" sz="1400" dirty="0" smtClean="0">
+                <a:latin typeface="宋体" panose="02010600030101010101" pitchFamily="2" charset="-122"/>
+                <a:ea typeface="宋体" panose="02010600030101010101" pitchFamily="2" charset="-122"/>
+                <a:cs typeface="Times New Roman" panose="02020603050405020304" pitchFamily="18" charset="0"/>
+              </a:rPr>
+              <a:t>			p</a:t>
+            </a:r>
+            <a:r>
+              <a:rPr lang="en-US" altLang="zh-CN" sz="1400" dirty="0">
+                <a:latin typeface="宋体" panose="02010600030101010101" pitchFamily="2" charset="-122"/>
+                <a:ea typeface="宋体" panose="02010600030101010101" pitchFamily="2" charset="-122"/>
+                <a:cs typeface="Times New Roman" panose="02020603050405020304" pitchFamily="18" charset="0"/>
+              </a:rPr>
+              <a:t>, q ⊢ </a:t>
+            </a:r>
+            <a:r>
+              <a:rPr lang="en-US" altLang="zh-CN" sz="1400" dirty="0" err="1">
+                <a:latin typeface="宋体" panose="02010600030101010101" pitchFamily="2" charset="-122"/>
+                <a:ea typeface="宋体" panose="02010600030101010101" pitchFamily="2" charset="-122"/>
+                <a:cs typeface="Times New Roman" panose="02020603050405020304" pitchFamily="18" charset="0"/>
+              </a:rPr>
+              <a:t>p∧q</a:t>
+            </a:r>
+            <a:endParaRPr lang="en-US" altLang="zh-CN" sz="1400" dirty="0">
+              <a:latin typeface="宋体" panose="02010600030101010101" pitchFamily="2" charset="-122"/>
+              <a:ea typeface="宋体" panose="02010600030101010101" pitchFamily="2" charset="-122"/>
+              <a:cs typeface="Times New Roman" panose="02020603050405020304" pitchFamily="18" charset="0"/>
+            </a:endParaRPr>
+          </a:p>
+          <a:p>
+            <a:pPr marL="457200" lvl="1" indent="0" algn="just">
+              <a:spcBef>
+                <a:spcPts val="600"/>
+              </a:spcBef>
+              <a:spcAft>
+                <a:spcPts val="600"/>
+              </a:spcAft>
+              <a:buNone/>
+            </a:pPr>
+            <a:endParaRPr lang="en-US" altLang="zh-CN" sz="1400" dirty="0">
               <a:latin typeface="宋体" panose="02010600030101010101" pitchFamily="2" charset="-122"/>
               <a:ea typeface="宋体" panose="02010600030101010101" pitchFamily="2" charset="-122"/>
               <a:cs typeface="Times New Roman" panose="02020603050405020304" pitchFamily="18" charset="0"/>
@@ -8349,14 +8774,6 @@
               </a:spcAft>
               <a:buNone/>
             </a:pPr>
-            <a:r>
-              <a:rPr lang="zh-CN" altLang="en-US" sz="1800" dirty="0">
-                <a:latin typeface="宋体" panose="02010600030101010101" pitchFamily="2" charset="-122"/>
-                <a:ea typeface="宋体" panose="02010600030101010101" pitchFamily="2" charset="-122"/>
-                <a:cs typeface="Times New Roman" panose="02020603050405020304" pitchFamily="18" charset="0"/>
-              </a:rPr>
-              <a:t>在啥地方</a:t>
-            </a:r>
             <a:endParaRPr lang="en-US" altLang="zh-CN" sz="1800" dirty="0" smtClean="0">
               <a:latin typeface="宋体" panose="02010600030101010101" pitchFamily="2" charset="-122"/>
               <a:ea typeface="宋体" panose="02010600030101010101" pitchFamily="2" charset="-122"/>
@@ -8408,7 +8825,7 @@
           <a:p>
             <a:pPr latinLnBrk="1"/>
             <a:r>
-              <a:rPr kumimoji="1" lang="zh-CN" altLang="en-US" sz="2000" b="1" dirty="0">
+              <a:rPr kumimoji="1" lang="zh-CN" altLang="en-US" sz="2000" b="1">
                 <a:solidFill>
                   <a:schemeClr val="tx1"/>
                 </a:solidFill>
@@ -8416,18 +8833,7 @@
                 <a:ea typeface="宋体" panose="02010600030101010101" pitchFamily="2" charset="-122"/>
                 <a:cs typeface="Times New Roman" panose="02020603050405020304" pitchFamily="18" charset="0"/>
               </a:rPr>
-              <a:t>研究</a:t>
-            </a:r>
-            <a:r>
-              <a:rPr kumimoji="1" lang="zh-CN" altLang="en-US" sz="2000" b="1" dirty="0" smtClean="0">
-                <a:solidFill>
-                  <a:schemeClr val="tx1"/>
-                </a:solidFill>
-                <a:latin typeface="Times New Roman" panose="02020603050405020304" pitchFamily="18" charset="0"/>
-                <a:ea typeface="宋体" panose="02010600030101010101" pitchFamily="2" charset="-122"/>
-                <a:cs typeface="Times New Roman" panose="02020603050405020304" pitchFamily="18" charset="0"/>
-              </a:rPr>
-              <a:t>内容</a:t>
+              <a:t>自动推理算法</a:t>
             </a:r>
             <a:endParaRPr kumimoji="1" lang="zh-CN" altLang="en-US" sz="2000" b="1" dirty="0">
               <a:solidFill>
@@ -8440,6 +8846,36 @@
           </a:p>
         </p:txBody>
       </p:sp>
+      <p:pic>
+        <p:nvPicPr>
+          <p:cNvPr id="8" name="图片 7" descr="屏幕剪辑"/>
+          <p:cNvPicPr>
+            <a:picLocks noChangeAspect="1"/>
+          </p:cNvPicPr>
+          <p:nvPr/>
+        </p:nvPicPr>
+        <p:blipFill>
+          <a:blip r:embed="rId2">
+            <a:extLst>
+              <a:ext uri="{28A0092B-C50C-407E-A947-70E740481C1C}">
+                <a14:useLocalDpi xmlns:a14="http://schemas.microsoft.com/office/drawing/2010/main" val="0"/>
+              </a:ext>
+            </a:extLst>
+          </a:blip>
+          <a:stretch>
+            <a:fillRect/>
+          </a:stretch>
+        </p:blipFill>
+        <p:spPr>
+          <a:xfrm>
+            <a:off x="898663" y="2192488"/>
+            <a:ext cx="6986614" cy="4208312"/>
+          </a:xfrm>
+          <a:prstGeom prst="rect">
+            <a:avLst/>
+          </a:prstGeom>
+        </p:spPr>
+      </p:pic>
     </p:spTree>
     <p:extLst>
       <p:ext uri="{BB962C8B-B14F-4D97-AF65-F5344CB8AC3E}">
@@ -8453,7 +8889,129 @@
   <p:timing>
     <p:tnLst>
       <p:par>
-        <p:cTn id="1" dur="indefinite" restart="never" nodeType="tmRoot"/>
+        <p:cTn id="1" dur="indefinite" restart="never" nodeType="tmRoot">
+          <p:childTnLst>
+            <p:seq concurrent="1" nextAc="seek">
+              <p:cTn id="2" dur="indefinite" nodeType="mainSeq">
+                <p:childTnLst>
+                  <p:par>
+                    <p:cTn id="3" fill="hold">
+                      <p:stCondLst>
+                        <p:cond delay="indefinite"/>
+                      </p:stCondLst>
+                      <p:childTnLst>
+                        <p:par>
+                          <p:cTn id="4" fill="hold">
+                            <p:stCondLst>
+                              <p:cond delay="0"/>
+                            </p:stCondLst>
+                            <p:childTnLst>
+                              <p:par>
+                                <p:cTn id="5" presetID="42" presetClass="entr" presetSubtype="0" fill="hold" nodeType="clickEffect">
+                                  <p:stCondLst>
+                                    <p:cond delay="0"/>
+                                  </p:stCondLst>
+                                  <p:childTnLst>
+                                    <p:set>
+                                      <p:cBhvr>
+                                        <p:cTn id="6" dur="1" fill="hold">
+                                          <p:stCondLst>
+                                            <p:cond delay="0"/>
+                                          </p:stCondLst>
+                                        </p:cTn>
+                                        <p:tgtEl>
+                                          <p:spTgt spid="8"/>
+                                        </p:tgtEl>
+                                        <p:attrNameLst>
+                                          <p:attrName>style.visibility</p:attrName>
+                                        </p:attrNameLst>
+                                      </p:cBhvr>
+                                      <p:to>
+                                        <p:strVal val="visible"/>
+                                      </p:to>
+                                    </p:set>
+                                    <p:animEffect transition="in" filter="fade">
+                                      <p:cBhvr>
+                                        <p:cTn id="7" dur="1000"/>
+                                        <p:tgtEl>
+                                          <p:spTgt spid="8"/>
+                                        </p:tgtEl>
+                                      </p:cBhvr>
+                                    </p:animEffect>
+                                    <p:anim calcmode="lin" valueType="num">
+                                      <p:cBhvr>
+                                        <p:cTn id="8" dur="1000" fill="hold"/>
+                                        <p:tgtEl>
+                                          <p:spTgt spid="8"/>
+                                        </p:tgtEl>
+                                        <p:attrNameLst>
+                                          <p:attrName>ppt_x</p:attrName>
+                                        </p:attrNameLst>
+                                      </p:cBhvr>
+                                      <p:tavLst>
+                                        <p:tav tm="0">
+                                          <p:val>
+                                            <p:strVal val="#ppt_x"/>
+                                          </p:val>
+                                        </p:tav>
+                                        <p:tav tm="100000">
+                                          <p:val>
+                                            <p:strVal val="#ppt_x"/>
+                                          </p:val>
+                                        </p:tav>
+                                      </p:tavLst>
+                                    </p:anim>
+                                    <p:anim calcmode="lin" valueType="num">
+                                      <p:cBhvr>
+                                        <p:cTn id="9" dur="1000" fill="hold"/>
+                                        <p:tgtEl>
+                                          <p:spTgt spid="8"/>
+                                        </p:tgtEl>
+                                        <p:attrNameLst>
+                                          <p:attrName>ppt_y</p:attrName>
+                                        </p:attrNameLst>
+                                      </p:cBhvr>
+                                      <p:tavLst>
+                                        <p:tav tm="0">
+                                          <p:val>
+                                            <p:strVal val="#ppt_y+.1"/>
+                                          </p:val>
+                                        </p:tav>
+                                        <p:tav tm="100000">
+                                          <p:val>
+                                            <p:strVal val="#ppt_y"/>
+                                          </p:val>
+                                        </p:tav>
+                                      </p:tavLst>
+                                    </p:anim>
+                                  </p:childTnLst>
+                                </p:cTn>
+                              </p:par>
+                            </p:childTnLst>
+                          </p:cTn>
+                        </p:par>
+                      </p:childTnLst>
+                    </p:cTn>
+                  </p:par>
+                </p:childTnLst>
+              </p:cTn>
+              <p:prevCondLst>
+                <p:cond evt="onPrev" delay="0">
+                  <p:tgtEl>
+                    <p:sldTgt/>
+                  </p:tgtEl>
+                </p:cond>
+              </p:prevCondLst>
+              <p:nextCondLst>
+                <p:cond evt="onNext" delay="0">
+                  <p:tgtEl>
+                    <p:sldTgt/>
+                  </p:tgtEl>
+                </p:cond>
+              </p:nextCondLst>
+            </p:seq>
+          </p:childTnLst>
+        </p:cTn>
       </p:par>
     </p:tnLst>
   </p:timing>
@@ -8558,6 +9116,62 @@
             </a:endParaRPr>
           </a:p>
           <a:p>
+            <a:pPr marL="0" indent="0" algn="just">
+              <a:spcBef>
+                <a:spcPts val="600"/>
+              </a:spcBef>
+              <a:spcAft>
+                <a:spcPts val="600"/>
+              </a:spcAft>
+              <a:buNone/>
+            </a:pPr>
+            <a:r>
+              <a:rPr lang="en-US" altLang="zh-CN" sz="1800" dirty="0">
+                <a:latin typeface="宋体" panose="02010600030101010101" pitchFamily="2" charset="-122"/>
+                <a:ea typeface="宋体" panose="02010600030101010101" pitchFamily="2" charset="-122"/>
+                <a:cs typeface="Times New Roman" panose="02020603050405020304" pitchFamily="18" charset="0"/>
+              </a:rPr>
+              <a:t> </a:t>
+            </a:r>
+            <a:r>
+              <a:rPr lang="en-US" altLang="zh-CN" sz="1800" dirty="0" smtClean="0">
+                <a:latin typeface="宋体" panose="02010600030101010101" pitchFamily="2" charset="-122"/>
+                <a:ea typeface="宋体" panose="02010600030101010101" pitchFamily="2" charset="-122"/>
+                <a:cs typeface="Times New Roman" panose="02020603050405020304" pitchFamily="18" charset="0"/>
+              </a:rPr>
+              <a:t>   </a:t>
+            </a:r>
+            <a:r>
+              <a:rPr lang="zh-CN" altLang="en-US" sz="1800" dirty="0" smtClean="0">
+                <a:latin typeface="宋体" panose="02010600030101010101" pitchFamily="2" charset="-122"/>
+                <a:ea typeface="宋体" panose="02010600030101010101" pitchFamily="2" charset="-122"/>
+                <a:cs typeface="Times New Roman" panose="02020603050405020304" pitchFamily="18" charset="0"/>
+              </a:rPr>
+              <a:t>循环</a:t>
+            </a:r>
+            <a:r>
+              <a:rPr lang="zh-CN" altLang="en-US" sz="1800" dirty="0">
+                <a:latin typeface="宋体" panose="02010600030101010101" pitchFamily="2" charset="-122"/>
+                <a:ea typeface="宋体" panose="02010600030101010101" pitchFamily="2" charset="-122"/>
+                <a:cs typeface="Times New Roman" panose="02020603050405020304" pitchFamily="18" charset="0"/>
+              </a:rPr>
+              <a:t>交互证明算法的理论基础是限定数学归纳法</a:t>
+            </a:r>
+            <a:r>
+              <a:rPr lang="zh-CN" altLang="en-US" sz="1800" dirty="0" smtClean="0">
+                <a:latin typeface="宋体" panose="02010600030101010101" pitchFamily="2" charset="-122"/>
+                <a:ea typeface="宋体" panose="02010600030101010101" pitchFamily="2" charset="-122"/>
+                <a:cs typeface="Times New Roman" panose="02020603050405020304" pitchFamily="18" charset="0"/>
+              </a:rPr>
+              <a:t>。</a:t>
+            </a:r>
+            <a:endParaRPr lang="en-US" altLang="zh-CN" sz="1800" dirty="0" smtClean="0">
+              <a:latin typeface="宋体" panose="02010600030101010101" pitchFamily="2" charset="-122"/>
+              <a:ea typeface="宋体" panose="02010600030101010101" pitchFamily="2" charset="-122"/>
+              <a:cs typeface="Times New Roman" panose="02020603050405020304" pitchFamily="18" charset="0"/>
+            </a:endParaRPr>
+          </a:p>
+          <a:p>
             <a:pPr algn="just">
               <a:spcBef>
                 <a:spcPts val="600"/>
@@ -8568,45 +9182,432 @@
               <a:buFont typeface="Wingdings" panose="05000000000000000000" pitchFamily="2" charset="2"/>
               <a:buChar char="Ø"/>
             </a:pPr>
-            <a:endParaRPr lang="en-US" altLang="zh-CN" sz="1800" dirty="0">
+            <a:r>
+              <a:rPr lang="zh-CN" altLang="en-US" sz="1800" dirty="0">
+                <a:latin typeface="宋体" panose="02010600030101010101" pitchFamily="2" charset="-122"/>
+                <a:ea typeface="宋体" panose="02010600030101010101" pitchFamily="2" charset="-122"/>
+                <a:cs typeface="Times New Roman" panose="02020603050405020304" pitchFamily="18" charset="0"/>
+              </a:rPr>
+              <a:t>提示用户</a:t>
+            </a:r>
+            <a:r>
+              <a:rPr lang="zh-CN" altLang="en-US" sz="1800" dirty="0" smtClean="0">
+                <a:latin typeface="宋体" panose="02010600030101010101" pitchFamily="2" charset="-122"/>
+                <a:ea typeface="宋体" panose="02010600030101010101" pitchFamily="2" charset="-122"/>
+                <a:cs typeface="Times New Roman" panose="02020603050405020304" pitchFamily="18" charset="0"/>
+              </a:rPr>
+              <a:t>输入在</a:t>
+            </a:r>
+            <a:r>
+              <a:rPr lang="en-US" altLang="zh-CN" sz="1800" dirty="0" smtClean="0">
+                <a:latin typeface="宋体" panose="02010600030101010101" pitchFamily="2" charset="-122"/>
+                <a:ea typeface="宋体" panose="02010600030101010101" pitchFamily="2" charset="-122"/>
+                <a:cs typeface="Times New Roman" panose="02020603050405020304" pitchFamily="18" charset="0"/>
+              </a:rPr>
+              <a:t>n = N</a:t>
+            </a:r>
+            <a:r>
+              <a:rPr lang="zh-CN" altLang="en-US" sz="1800" dirty="0">
+                <a:latin typeface="宋体" panose="02010600030101010101" pitchFamily="2" charset="-122"/>
+                <a:ea typeface="宋体" panose="02010600030101010101" pitchFamily="2" charset="-122"/>
+                <a:cs typeface="Times New Roman" panose="02020603050405020304" pitchFamily="18" charset="0"/>
+              </a:rPr>
+              <a:t>时</a:t>
+            </a:r>
+            <a:r>
+              <a:rPr lang="zh-CN" altLang="en-US" sz="1800" dirty="0" smtClean="0">
+                <a:latin typeface="宋体" panose="02010600030101010101" pitchFamily="2" charset="-122"/>
+                <a:ea typeface="宋体" panose="02010600030101010101" pitchFamily="2" charset="-122"/>
+                <a:cs typeface="Times New Roman" panose="02020603050405020304" pitchFamily="18" charset="0"/>
+              </a:rPr>
+              <a:t>文法</a:t>
+            </a:r>
+            <a:r>
+              <a:rPr lang="zh-CN" altLang="en-US" sz="1800" dirty="0">
+                <a:latin typeface="宋体" panose="02010600030101010101" pitchFamily="2" charset="-122"/>
+                <a:ea typeface="宋体" panose="02010600030101010101" pitchFamily="2" charset="-122"/>
+                <a:cs typeface="Times New Roman" panose="02020603050405020304" pitchFamily="18" charset="0"/>
+              </a:rPr>
+              <a:t>单元的</a:t>
+            </a:r>
+            <a:r>
+              <a:rPr lang="zh-CN" altLang="en-US" sz="1800" dirty="0" smtClean="0">
+                <a:latin typeface="宋体" panose="02010600030101010101" pitchFamily="2" charset="-122"/>
+                <a:ea typeface="宋体" panose="02010600030101010101" pitchFamily="2" charset="-122"/>
+                <a:cs typeface="Times New Roman" panose="02020603050405020304" pitchFamily="18" charset="0"/>
+              </a:rPr>
+              <a:t>语义；</a:t>
+            </a:r>
+            <a:endParaRPr lang="en-US" altLang="zh-CN" sz="1800" dirty="0" smtClean="0">
               <a:latin typeface="宋体" panose="02010600030101010101" pitchFamily="2" charset="-122"/>
               <a:ea typeface="宋体" panose="02010600030101010101" pitchFamily="2" charset="-122"/>
               <a:cs typeface="Times New Roman" panose="02020603050405020304" pitchFamily="18" charset="0"/>
             </a:endParaRPr>
           </a:p>
           <a:p>
-            <a:pPr marL="0" indent="0" algn="just">
+            <a:pPr algn="just">
               <a:spcBef>
                 <a:spcPts val="600"/>
               </a:spcBef>
               <a:spcAft>
                 <a:spcPts val="600"/>
               </a:spcAft>
-              <a:buNone/>
+              <a:buFont typeface="Wingdings" panose="05000000000000000000" pitchFamily="2" charset="2"/>
+              <a:buChar char="Ø"/>
             </a:pPr>
-            <a:endParaRPr lang="en-US" altLang="zh-CN" sz="1800" dirty="0" smtClean="0">
-              <a:latin typeface="宋体" panose="02010600030101010101" pitchFamily="2" charset="-122"/>
-              <a:ea typeface="宋体" panose="02010600030101010101" pitchFamily="2" charset="-122"/>
-              <a:cs typeface="Times New Roman" panose="02020603050405020304" pitchFamily="18" charset="0"/>
-            </a:endParaRPr>
-          </a:p>
-          <a:p>
-            <a:pPr marL="0" indent="0" algn="just">
+            <a:r>
+              <a:rPr lang="zh-CN" altLang="en-US" sz="1800" dirty="0" smtClean="0">
+                <a:latin typeface="宋体" panose="02010600030101010101" pitchFamily="2" charset="-122"/>
+                <a:ea typeface="宋体" panose="02010600030101010101" pitchFamily="2" charset="-122"/>
+                <a:cs typeface="Times New Roman" panose="02020603050405020304" pitchFamily="18" charset="0"/>
+              </a:rPr>
+              <a:t>取</a:t>
+            </a:r>
+            <a:r>
+              <a:rPr lang="en-US" altLang="zh-CN" sz="1800" dirty="0" smtClean="0">
+                <a:latin typeface="宋体" panose="02010600030101010101" pitchFamily="2" charset="-122"/>
+                <a:ea typeface="宋体" panose="02010600030101010101" pitchFamily="2" charset="-122"/>
+                <a:cs typeface="Times New Roman" panose="02020603050405020304" pitchFamily="18" charset="0"/>
+              </a:rPr>
+              <a:t>N = 1</a:t>
+            </a:r>
+            <a:r>
+              <a:rPr lang="zh-CN" altLang="en-US" sz="1800" dirty="0" smtClean="0">
+                <a:latin typeface="宋体" panose="02010600030101010101" pitchFamily="2" charset="-122"/>
+                <a:ea typeface="宋体" panose="02010600030101010101" pitchFamily="2" charset="-122"/>
+                <a:cs typeface="Times New Roman" panose="02020603050405020304" pitchFamily="18" charset="0"/>
+              </a:rPr>
+              <a:t>得到的文法单元语义</a:t>
+            </a:r>
+            <a:r>
+              <a:rPr lang="en-US" altLang="zh-CN" sz="1800" dirty="0" smtClean="0">
+                <a:latin typeface="宋体" panose="02010600030101010101" pitchFamily="2" charset="-122"/>
+                <a:ea typeface="宋体" panose="02010600030101010101" pitchFamily="2" charset="-122"/>
+                <a:cs typeface="Times New Roman" panose="02020603050405020304" pitchFamily="18" charset="0"/>
+              </a:rPr>
+              <a:t>,</a:t>
+            </a:r>
+            <a:r>
+              <a:rPr lang="zh-CN" altLang="en-US" sz="1800" dirty="0" smtClean="0">
+                <a:latin typeface="宋体" panose="02010600030101010101" pitchFamily="2" charset="-122"/>
+                <a:ea typeface="宋体" panose="02010600030101010101" pitchFamily="2" charset="-122"/>
+                <a:cs typeface="Times New Roman" panose="02020603050405020304" pitchFamily="18" charset="0"/>
+              </a:rPr>
+              <a:t>作为</a:t>
+            </a:r>
+            <a:r>
+              <a:rPr lang="en-US" altLang="zh-CN" sz="1800" dirty="0" smtClean="0">
+                <a:latin typeface="宋体" panose="02010600030101010101" pitchFamily="2" charset="-122"/>
+                <a:ea typeface="宋体" panose="02010600030101010101" pitchFamily="2" charset="-122"/>
+                <a:cs typeface="Times New Roman" panose="02020603050405020304" pitchFamily="18" charset="0"/>
+              </a:rPr>
+              <a:t>n = 1</a:t>
+            </a:r>
+            <a:r>
+              <a:rPr lang="zh-CN" altLang="en-US" sz="1800" dirty="0" smtClean="0">
+                <a:latin typeface="宋体" panose="02010600030101010101" pitchFamily="2" charset="-122"/>
+                <a:ea typeface="宋体" panose="02010600030101010101" pitchFamily="2" charset="-122"/>
+                <a:cs typeface="Times New Roman" panose="02020603050405020304" pitchFamily="18" charset="0"/>
+              </a:rPr>
+              <a:t>时推导的前置条件</a:t>
+            </a:r>
+            <a:r>
+              <a:rPr lang="en-US" altLang="zh-CN" sz="1800" dirty="0" smtClean="0">
+                <a:latin typeface="宋体" panose="02010600030101010101" pitchFamily="2" charset="-122"/>
+                <a:ea typeface="宋体" panose="02010600030101010101" pitchFamily="2" charset="-122"/>
+                <a:cs typeface="Times New Roman" panose="02020603050405020304" pitchFamily="18" charset="0"/>
+              </a:rPr>
+              <a:t>P1;</a:t>
+            </a:r>
+          </a:p>
+          <a:p>
+            <a:pPr algn="just">
               <a:spcBef>
                 <a:spcPts val="600"/>
               </a:spcBef>
               <a:spcAft>
                 <a:spcPts val="600"/>
               </a:spcAft>
-              <a:buNone/>
+              <a:buFont typeface="Wingdings" panose="05000000000000000000" pitchFamily="2" charset="2"/>
+              <a:buChar char="Ø"/>
             </a:pPr>
             <a:r>
+              <a:rPr lang="zh-CN" altLang="en-US" sz="1800" dirty="0" smtClean="0">
+                <a:latin typeface="宋体" panose="02010600030101010101" pitchFamily="2" charset="-122"/>
+                <a:ea typeface="宋体" panose="02010600030101010101" pitchFamily="2" charset="-122"/>
+                <a:cs typeface="Times New Roman" panose="02020603050405020304" pitchFamily="18" charset="0"/>
+              </a:rPr>
+              <a:t>使用</a:t>
+            </a:r>
+            <a:r>
+              <a:rPr lang="zh-CN" altLang="en-US" sz="1800" dirty="0" smtClean="0">
+                <a:solidFill>
+                  <a:srgbClr val="FF0000"/>
+                </a:solidFill>
+                <a:latin typeface="宋体" panose="02010600030101010101" pitchFamily="2" charset="-122"/>
+                <a:ea typeface="宋体" panose="02010600030101010101" pitchFamily="2" charset="-122"/>
+                <a:cs typeface="Times New Roman" panose="02020603050405020304" pitchFamily="18" charset="0"/>
+              </a:rPr>
+              <a:t>自动推理算法</a:t>
+            </a:r>
+            <a:r>
+              <a:rPr lang="zh-CN" altLang="en-US" sz="1800" dirty="0" smtClean="0">
+                <a:latin typeface="宋体" panose="02010600030101010101" pitchFamily="2" charset="-122"/>
+                <a:ea typeface="宋体" panose="02010600030101010101" pitchFamily="2" charset="-122"/>
+                <a:cs typeface="Times New Roman" panose="02020603050405020304" pitchFamily="18" charset="0"/>
+              </a:rPr>
+              <a:t>对目标码模式命题进行推导，推导出的命题的语义是否和前置条件</a:t>
+            </a:r>
+            <a:r>
+              <a:rPr lang="en-US" altLang="zh-CN" sz="1800" dirty="0" smtClean="0">
+                <a:latin typeface="宋体" panose="02010600030101010101" pitchFamily="2" charset="-122"/>
+                <a:ea typeface="宋体" panose="02010600030101010101" pitchFamily="2" charset="-122"/>
+                <a:cs typeface="Times New Roman" panose="02020603050405020304" pitchFamily="18" charset="0"/>
+              </a:rPr>
+              <a:t>P1</a:t>
+            </a:r>
+            <a:r>
+              <a:rPr lang="zh-CN" altLang="en-US" sz="1800" dirty="0" smtClean="0">
+                <a:latin typeface="宋体" panose="02010600030101010101" pitchFamily="2" charset="-122"/>
+                <a:ea typeface="宋体" panose="02010600030101010101" pitchFamily="2" charset="-122"/>
+                <a:cs typeface="Times New Roman" panose="02020603050405020304" pitchFamily="18" charset="0"/>
+              </a:rPr>
+              <a:t>一致；</a:t>
+            </a:r>
+            <a:endParaRPr lang="en-US" altLang="zh-CN" sz="1800" dirty="0" smtClean="0">
+              <a:latin typeface="宋体" panose="02010600030101010101" pitchFamily="2" charset="-122"/>
+              <a:ea typeface="宋体" panose="02010600030101010101" pitchFamily="2" charset="-122"/>
+              <a:cs typeface="Times New Roman" panose="02020603050405020304" pitchFamily="18" charset="0"/>
+            </a:endParaRPr>
+          </a:p>
+          <a:p>
+            <a:pPr algn="just">
+              <a:spcBef>
+                <a:spcPts val="600"/>
+              </a:spcBef>
+              <a:spcAft>
+                <a:spcPts val="600"/>
+              </a:spcAft>
+              <a:buFont typeface="Wingdings" panose="05000000000000000000" pitchFamily="2" charset="2"/>
+              <a:buChar char="Ø"/>
+            </a:pPr>
+            <a:r>
+              <a:rPr lang="zh-CN" altLang="en-US" sz="1800" dirty="0" smtClean="0">
+                <a:latin typeface="宋体" panose="02010600030101010101" pitchFamily="2" charset="-122"/>
+                <a:ea typeface="宋体" panose="02010600030101010101" pitchFamily="2" charset="-122"/>
+                <a:cs typeface="Times New Roman" panose="02020603050405020304" pitchFamily="18" charset="0"/>
+              </a:rPr>
+              <a:t>再取</a:t>
+            </a:r>
+            <a:r>
+              <a:rPr lang="en-US" altLang="zh-CN" sz="1800" dirty="0" smtClean="0">
+                <a:latin typeface="宋体" panose="02010600030101010101" pitchFamily="2" charset="-122"/>
+                <a:ea typeface="宋体" panose="02010600030101010101" pitchFamily="2" charset="-122"/>
+                <a:cs typeface="Times New Roman" panose="02020603050405020304" pitchFamily="18" charset="0"/>
+              </a:rPr>
+              <a:t>N = N + 1</a:t>
+            </a:r>
+            <a:r>
               <a:rPr lang="zh-CN" altLang="en-US" sz="1800" dirty="0">
                 <a:latin typeface="宋体" panose="02010600030101010101" pitchFamily="2" charset="-122"/>
                 <a:ea typeface="宋体" panose="02010600030101010101" pitchFamily="2" charset="-122"/>
                 <a:cs typeface="Times New Roman" panose="02020603050405020304" pitchFamily="18" charset="0"/>
               </a:rPr>
-              <a:t>在啥地方</a:t>
+              <a:t>得</a:t>
+            </a:r>
+            <a:r>
+              <a:rPr lang="zh-CN" altLang="en-US" sz="1800" dirty="0" smtClean="0">
+                <a:latin typeface="宋体" panose="02010600030101010101" pitchFamily="2" charset="-122"/>
+                <a:ea typeface="宋体" panose="02010600030101010101" pitchFamily="2" charset="-122"/>
+                <a:cs typeface="Times New Roman" panose="02020603050405020304" pitchFamily="18" charset="0"/>
+              </a:rPr>
+              <a:t>到的文法单元语义，作为</a:t>
+            </a:r>
+            <a:r>
+              <a:rPr lang="en-US" altLang="zh-CN" sz="1800" dirty="0" smtClean="0">
+                <a:latin typeface="宋体" panose="02010600030101010101" pitchFamily="2" charset="-122"/>
+                <a:ea typeface="宋体" panose="02010600030101010101" pitchFamily="2" charset="-122"/>
+                <a:cs typeface="Times New Roman" panose="02020603050405020304" pitchFamily="18" charset="0"/>
+              </a:rPr>
+              <a:t>n = N + 1</a:t>
+            </a:r>
+            <a:r>
+              <a:rPr lang="zh-CN" altLang="en-US" sz="1800" dirty="0">
+                <a:latin typeface="宋体" panose="02010600030101010101" pitchFamily="2" charset="-122"/>
+                <a:ea typeface="宋体" panose="02010600030101010101" pitchFamily="2" charset="-122"/>
+                <a:cs typeface="Times New Roman" panose="02020603050405020304" pitchFamily="18" charset="0"/>
+              </a:rPr>
+              <a:t>时推导的前置条件</a:t>
+            </a:r>
+            <a:r>
+              <a:rPr lang="en-US" altLang="zh-CN" sz="1800" dirty="0" smtClean="0">
+                <a:latin typeface="宋体" panose="02010600030101010101" pitchFamily="2" charset="-122"/>
+                <a:ea typeface="宋体" panose="02010600030101010101" pitchFamily="2" charset="-122"/>
+                <a:cs typeface="Times New Roman" panose="02020603050405020304" pitchFamily="18" charset="0"/>
+              </a:rPr>
+              <a:t>P2</a:t>
+            </a:r>
+            <a:r>
+              <a:rPr lang="zh-CN" altLang="en-US" sz="1800" dirty="0" smtClean="0">
+                <a:latin typeface="宋体" panose="02010600030101010101" pitchFamily="2" charset="-122"/>
+                <a:ea typeface="宋体" panose="02010600030101010101" pitchFamily="2" charset="-122"/>
+                <a:cs typeface="Times New Roman" panose="02020603050405020304" pitchFamily="18" charset="0"/>
+              </a:rPr>
+              <a:t>；</a:t>
+            </a:r>
+            <a:endParaRPr lang="en-US" altLang="zh-CN" sz="1800" dirty="0" smtClean="0">
+              <a:latin typeface="宋体" panose="02010600030101010101" pitchFamily="2" charset="-122"/>
+              <a:ea typeface="宋体" panose="02010600030101010101" pitchFamily="2" charset="-122"/>
+              <a:cs typeface="Times New Roman" panose="02020603050405020304" pitchFamily="18" charset="0"/>
+            </a:endParaRPr>
+          </a:p>
+          <a:p>
+            <a:pPr algn="just">
+              <a:spcBef>
+                <a:spcPts val="600"/>
+              </a:spcBef>
+              <a:spcAft>
+                <a:spcPts val="600"/>
+              </a:spcAft>
+              <a:buFont typeface="Wingdings" panose="05000000000000000000" pitchFamily="2" charset="2"/>
+              <a:buChar char="Ø"/>
+            </a:pPr>
+            <a:r>
+              <a:rPr lang="zh-CN" altLang="en-US" sz="1800" dirty="0" smtClean="0">
+                <a:latin typeface="宋体" panose="02010600030101010101" pitchFamily="2" charset="-122"/>
+                <a:ea typeface="宋体" panose="02010600030101010101" pitchFamily="2" charset="-122"/>
+                <a:cs typeface="Times New Roman" panose="02020603050405020304" pitchFamily="18" charset="0"/>
+              </a:rPr>
+              <a:t>以</a:t>
+            </a:r>
+            <a:r>
+              <a:rPr lang="en-US" altLang="zh-CN" sz="1800" dirty="0">
+                <a:latin typeface="宋体" panose="02010600030101010101" pitchFamily="2" charset="-122"/>
+                <a:ea typeface="宋体" panose="02010600030101010101" pitchFamily="2" charset="-122"/>
+                <a:cs typeface="Times New Roman" panose="02020603050405020304" pitchFamily="18" charset="0"/>
+              </a:rPr>
+              <a:t>n = N</a:t>
+            </a:r>
+            <a:r>
+              <a:rPr lang="zh-CN" altLang="en-US" sz="1800" dirty="0">
+                <a:latin typeface="宋体" panose="02010600030101010101" pitchFamily="2" charset="-122"/>
+                <a:ea typeface="宋体" panose="02010600030101010101" pitchFamily="2" charset="-122"/>
+                <a:cs typeface="Times New Roman" panose="02020603050405020304" pitchFamily="18" charset="0"/>
+              </a:rPr>
+              <a:t>时文法单元的</a:t>
+            </a:r>
+            <a:r>
+              <a:rPr lang="zh-CN" altLang="en-US" sz="1800" dirty="0" smtClean="0">
+                <a:latin typeface="宋体" panose="02010600030101010101" pitchFamily="2" charset="-122"/>
+                <a:ea typeface="宋体" panose="02010600030101010101" pitchFamily="2" charset="-122"/>
+                <a:cs typeface="Times New Roman" panose="02020603050405020304" pitchFamily="18" charset="0"/>
+              </a:rPr>
+              <a:t>语义为基础，再执行</a:t>
+            </a:r>
+            <a:r>
+              <a:rPr lang="zh-CN" altLang="en-US" sz="1800" dirty="0">
+                <a:latin typeface="宋体" panose="02010600030101010101" pitchFamily="2" charset="-122"/>
+                <a:ea typeface="宋体" panose="02010600030101010101" pitchFamily="2" charset="-122"/>
+                <a:cs typeface="Times New Roman" panose="02020603050405020304" pitchFamily="18" charset="0"/>
+              </a:rPr>
+              <a:t>一次目标码模式命题进行</a:t>
+            </a:r>
+            <a:r>
+              <a:rPr lang="zh-CN" altLang="en-US" sz="1800" dirty="0" smtClean="0">
+                <a:latin typeface="宋体" panose="02010600030101010101" pitchFamily="2" charset="-122"/>
+                <a:ea typeface="宋体" panose="02010600030101010101" pitchFamily="2" charset="-122"/>
+                <a:cs typeface="Times New Roman" panose="02020603050405020304" pitchFamily="18" charset="0"/>
+              </a:rPr>
+              <a:t>推导，得到该</a:t>
+            </a:r>
+            <a:r>
+              <a:rPr lang="zh-CN" altLang="en-US" sz="1800" dirty="0">
+                <a:latin typeface="宋体" panose="02010600030101010101" pitchFamily="2" charset="-122"/>
+                <a:ea typeface="宋体" panose="02010600030101010101" pitchFamily="2" charset="-122"/>
+                <a:cs typeface="Times New Roman" panose="02020603050405020304" pitchFamily="18" charset="0"/>
+              </a:rPr>
+              <a:t>目标码模式</a:t>
+            </a:r>
+            <a:r>
+              <a:rPr lang="zh-CN" altLang="en-US" sz="1800" dirty="0" smtClean="0">
+                <a:latin typeface="宋体" panose="02010600030101010101" pitchFamily="2" charset="-122"/>
+                <a:ea typeface="宋体" panose="02010600030101010101" pitchFamily="2" charset="-122"/>
+                <a:cs typeface="Times New Roman" panose="02020603050405020304" pitchFamily="18" charset="0"/>
+              </a:rPr>
+              <a:t>命题在</a:t>
+            </a:r>
+            <a:r>
+              <a:rPr lang="en-US" altLang="zh-CN" sz="1800" dirty="0" smtClean="0">
+                <a:latin typeface="宋体" panose="02010600030101010101" pitchFamily="2" charset="-122"/>
+                <a:ea typeface="宋体" panose="02010600030101010101" pitchFamily="2" charset="-122"/>
+                <a:cs typeface="Times New Roman" panose="02020603050405020304" pitchFamily="18" charset="0"/>
+              </a:rPr>
+              <a:t>n = N + 1</a:t>
+            </a:r>
+            <a:r>
+              <a:rPr lang="zh-CN" altLang="en-US" sz="1800" dirty="0" smtClean="0">
+                <a:latin typeface="宋体" panose="02010600030101010101" pitchFamily="2" charset="-122"/>
+                <a:ea typeface="宋体" panose="02010600030101010101" pitchFamily="2" charset="-122"/>
+                <a:cs typeface="Times New Roman" panose="02020603050405020304" pitchFamily="18" charset="0"/>
+              </a:rPr>
+              <a:t>时的语义；</a:t>
+            </a:r>
+            <a:endParaRPr lang="en-US" altLang="zh-CN" sz="1800" dirty="0" smtClean="0">
+              <a:latin typeface="宋体" panose="02010600030101010101" pitchFamily="2" charset="-122"/>
+              <a:ea typeface="宋体" panose="02010600030101010101" pitchFamily="2" charset="-122"/>
+              <a:cs typeface="Times New Roman" panose="02020603050405020304" pitchFamily="18" charset="0"/>
+            </a:endParaRPr>
+          </a:p>
+          <a:p>
+            <a:pPr algn="just">
+              <a:spcBef>
+                <a:spcPts val="600"/>
+              </a:spcBef>
+              <a:spcAft>
+                <a:spcPts val="600"/>
+              </a:spcAft>
+              <a:buFont typeface="Wingdings" panose="05000000000000000000" pitchFamily="2" charset="2"/>
+              <a:buChar char="Ø"/>
+            </a:pPr>
+            <a:r>
+              <a:rPr lang="zh-CN" altLang="en-US" sz="1800" dirty="0" smtClean="0">
+                <a:latin typeface="宋体" panose="02010600030101010101" pitchFamily="2" charset="-122"/>
+                <a:ea typeface="宋体" panose="02010600030101010101" pitchFamily="2" charset="-122"/>
+                <a:cs typeface="Times New Roman" panose="02020603050405020304" pitchFamily="18" charset="0"/>
+              </a:rPr>
+              <a:t>比较推导出的</a:t>
+            </a:r>
+            <a:r>
+              <a:rPr lang="en-US" altLang="zh-CN" sz="1800" dirty="0" smtClean="0">
+                <a:latin typeface="宋体" panose="02010600030101010101" pitchFamily="2" charset="-122"/>
+                <a:ea typeface="宋体" panose="02010600030101010101" pitchFamily="2" charset="-122"/>
+                <a:cs typeface="Times New Roman" panose="02020603050405020304" pitchFamily="18" charset="0"/>
+              </a:rPr>
+              <a:t>N + 1</a:t>
+            </a:r>
+            <a:r>
+              <a:rPr lang="zh-CN" altLang="en-US" sz="1800" dirty="0" smtClean="0">
+                <a:latin typeface="宋体" panose="02010600030101010101" pitchFamily="2" charset="-122"/>
+                <a:ea typeface="宋体" panose="02010600030101010101" pitchFamily="2" charset="-122"/>
+                <a:cs typeface="Times New Roman" panose="02020603050405020304" pitchFamily="18" charset="0"/>
+              </a:rPr>
+              <a:t>时的语义是否和前置条件</a:t>
+            </a:r>
+            <a:r>
+              <a:rPr lang="en-US" altLang="zh-CN" sz="1800" dirty="0" smtClean="0">
+                <a:latin typeface="宋体" panose="02010600030101010101" pitchFamily="2" charset="-122"/>
+                <a:ea typeface="宋体" panose="02010600030101010101" pitchFamily="2" charset="-122"/>
+                <a:cs typeface="Times New Roman" panose="02020603050405020304" pitchFamily="18" charset="0"/>
+              </a:rPr>
+              <a:t>P2</a:t>
+            </a:r>
+            <a:r>
+              <a:rPr lang="zh-CN" altLang="en-US" sz="1800" dirty="0" smtClean="0">
+                <a:latin typeface="宋体" panose="02010600030101010101" pitchFamily="2" charset="-122"/>
+                <a:ea typeface="宋体" panose="02010600030101010101" pitchFamily="2" charset="-122"/>
+                <a:cs typeface="Times New Roman" panose="02020603050405020304" pitchFamily="18" charset="0"/>
+              </a:rPr>
+              <a:t>一致。</a:t>
             </a:r>
             <a:endParaRPr lang="en-US" altLang="zh-CN" sz="1800" dirty="0" smtClean="0">
               <a:latin typeface="宋体" panose="02010600030101010101" pitchFamily="2" charset="-122"/>
@@ -8659,7 +9660,7 @@
           <a:p>
             <a:pPr latinLnBrk="1"/>
             <a:r>
-              <a:rPr kumimoji="1" lang="zh-CN" altLang="en-US" sz="2000" b="1" dirty="0">
+              <a:rPr kumimoji="1" lang="zh-CN" altLang="en-US" sz="2000" b="1">
                 <a:solidFill>
                   <a:schemeClr val="tx1"/>
                 </a:solidFill>
@@ -8667,18 +9668,7 @@
                 <a:ea typeface="宋体" panose="02010600030101010101" pitchFamily="2" charset="-122"/>
                 <a:cs typeface="Times New Roman" panose="02020603050405020304" pitchFamily="18" charset="0"/>
               </a:rPr>
-              <a:t>研究</a:t>
-            </a:r>
-            <a:r>
-              <a:rPr kumimoji="1" lang="zh-CN" altLang="en-US" sz="2000" b="1" dirty="0" smtClean="0">
-                <a:solidFill>
-                  <a:schemeClr val="tx1"/>
-                </a:solidFill>
-                <a:latin typeface="Times New Roman" panose="02020603050405020304" pitchFamily="18" charset="0"/>
-                <a:ea typeface="宋体" panose="02010600030101010101" pitchFamily="2" charset="-122"/>
-                <a:cs typeface="Times New Roman" panose="02020603050405020304" pitchFamily="18" charset="0"/>
-              </a:rPr>
-              <a:t>内容</a:t>
+              <a:t>循环交互证明算法</a:t>
             </a:r>
             <a:endParaRPr kumimoji="1" lang="zh-CN" altLang="en-US" sz="2000" b="1" dirty="0">
               <a:solidFill>
@@ -8691,6 +9681,36 @@
           </a:p>
         </p:txBody>
       </p:sp>
+      <p:pic>
+        <p:nvPicPr>
+          <p:cNvPr id="4" name="图片 3" descr="屏幕剪辑"/>
+          <p:cNvPicPr>
+            <a:picLocks noChangeAspect="1"/>
+          </p:cNvPicPr>
+          <p:nvPr/>
+        </p:nvPicPr>
+        <p:blipFill>
+          <a:blip r:embed="rId2">
+            <a:extLst>
+              <a:ext uri="{28A0092B-C50C-407E-A947-70E740481C1C}">
+                <a14:useLocalDpi xmlns:a14="http://schemas.microsoft.com/office/drawing/2010/main" val="0"/>
+              </a:ext>
+            </a:extLst>
+          </a:blip>
+          <a:stretch>
+            <a:fillRect/>
+          </a:stretch>
+        </p:blipFill>
+        <p:spPr>
+          <a:xfrm>
+            <a:off x="893834" y="2090814"/>
+            <a:ext cx="6087137" cy="4447709"/>
+          </a:xfrm>
+          <a:prstGeom prst="rect">
+            <a:avLst/>
+          </a:prstGeom>
+        </p:spPr>
+      </p:pic>
     </p:spTree>
     <p:extLst>
       <p:ext uri="{BB962C8B-B14F-4D97-AF65-F5344CB8AC3E}">
@@ -8704,7 +9724,121 @@
   <p:timing>
     <p:tnLst>
       <p:par>
-        <p:cTn id="1" dur="indefinite" restart="never" nodeType="tmRoot"/>
+        <p:cTn id="1" dur="indefinite" restart="never" nodeType="tmRoot">
+          <p:childTnLst>
+            <p:seq concurrent="1" nextAc="seek">
+              <p:cTn id="2" dur="indefinite" nodeType="mainSeq">
+                <p:childTnLst>
+                  <p:par>
+                    <p:cTn id="3" fill="hold">
+                      <p:stCondLst>
+                        <p:cond delay="indefinite"/>
+                      </p:stCondLst>
+                      <p:childTnLst>
+                        <p:par>
+                          <p:cTn id="4" fill="hold">
+                            <p:stCondLst>
+                              <p:cond delay="0"/>
+                            </p:stCondLst>
+                            <p:childTnLst>
+                              <p:par>
+                                <p:cTn id="5" presetID="2" presetClass="entr" presetSubtype="4" fill="hold" nodeType="clickEffect">
+                                  <p:stCondLst>
+                                    <p:cond delay="0"/>
+                                  </p:stCondLst>
+                                  <p:childTnLst>
+                                    <p:set>
+                                      <p:cBhvr>
+                                        <p:cTn id="6" dur="1" fill="hold">
+                                          <p:stCondLst>
+                                            <p:cond delay="0"/>
+                                          </p:stCondLst>
+                                        </p:cTn>
+                                        <p:tgtEl>
+                                          <p:spTgt spid="4"/>
+                                        </p:tgtEl>
+                                        <p:attrNameLst>
+                                          <p:attrName>style.visibility</p:attrName>
+                                        </p:attrNameLst>
+                                      </p:cBhvr>
+                                      <p:to>
+                                        <p:strVal val="visible"/>
+                                      </p:to>
+                                    </p:set>
+                                    <p:anim calcmode="lin" valueType="num">
+                                      <p:cBhvr additive="base">
+                                        <p:cTn id="7" dur="500" fill="hold"/>
+                                        <p:tgtEl>
+                                          <p:spTgt spid="4"/>
+                                        </p:tgtEl>
+                                        <p:attrNameLst>
+                                          <p:attrName>ppt_x</p:attrName>
+                                        </p:attrNameLst>
+                                      </p:cBhvr>
+                                      <p:tavLst>
+                                        <p:tav tm="0">
+                                          <p:val>
+                                            <p:strVal val="#ppt_x"/>
+                                          </p:val>
+                                        </p:tav>
+                                        <p:tav tm="100000">
+                                          <p:val>
+                                            <p:strVal val="#ppt_x"/>
+                                          </p:val>
+                                        </p:tav>
+                                      </p:tavLst>
+                                    </p:anim>
+                                    <p:anim calcmode="lin" valueType="num">
+                                      <p:cBhvr additive="base">
+                                        <p:cTn id="8" dur="500" fill="hold"/>
+                                        <p:tgtEl>
+                                          <p:spTgt spid="4"/>
+                                        </p:tgtEl>
+                                        <p:attrNameLst>
+                                          <p:attrName>ppt_y</p:attrName>
+                                        </p:attrNameLst>
+                                      </p:cBhvr>
+                                      <p:tavLst>
+                                        <p:tav tm="0">
+                                          <p:val>
+                                            <p:strVal val="1+#ppt_h/2"/>
+                                          </p:val>
+                                        </p:tav>
+                                        <p:tav tm="100000">
+                                          <p:val>
+                                            <p:strVal val="#ppt_y"/>
+                                          </p:val>
+                                        </p:tav>
+                                      </p:tavLst>
+                                    </p:anim>
+                                  </p:childTnLst>
+                                </p:cTn>
+                              </p:par>
+                            </p:childTnLst>
+                          </p:cTn>
+                        </p:par>
+                      </p:childTnLst>
+                    </p:cTn>
+                  </p:par>
+                </p:childTnLst>
+              </p:cTn>
+              <p:prevCondLst>
+                <p:cond evt="onPrev" delay="0">
+                  <p:tgtEl>
+                    <p:sldTgt/>
+                  </p:tgtEl>
+                </p:cond>
+              </p:prevCondLst>
+              <p:nextCondLst>
+                <p:cond evt="onNext" delay="0">
+                  <p:tgtEl>
+                    <p:sldTgt/>
+                  </p:tgtEl>
+                </p:cond>
+              </p:nextCondLst>
+            </p:seq>
+          </p:childTnLst>
+        </p:cTn>
       </p:par>
     </p:tnLst>
   </p:timing>
@@ -8748,7 +9882,7 @@
                 <a:latin typeface="宋体" panose="02010600030101010101" pitchFamily="2" charset="-122"/>
                 <a:ea typeface="宋体" panose="02010600030101010101" pitchFamily="2" charset="-122"/>
               </a:rPr>
-              <a:t>就很快就会</a:t>
+              <a:t>系统的设计与实现</a:t>
             </a:r>
             <a:endParaRPr lang="zh-CN" altLang="en-US" dirty="0">
               <a:latin typeface="宋体" panose="02010600030101010101" pitchFamily="2" charset="-122"/>
@@ -8777,35 +9911,167 @@
           <a:bodyPr/>
           <a:lstStyle/>
           <a:p>
-            <a:pPr marL="0" indent="0" algn="just">
-              <a:spcBef>
-                <a:spcPts val="600"/>
-              </a:spcBef>
-              <a:spcAft>
-                <a:spcPts val="600"/>
-              </a:spcAft>
+            <a:pPr marL="0" indent="0">
               <a:buNone/>
             </a:pPr>
-            <a:r>
-              <a:rPr lang="zh-CN" altLang="en-US" sz="1800" dirty="0" smtClean="0">
-                <a:latin typeface="宋体" panose="02010600030101010101" pitchFamily="2" charset="-122"/>
-                <a:ea typeface="宋体" panose="02010600030101010101" pitchFamily="2" charset="-122"/>
-                <a:cs typeface="Times New Roman" panose="02020603050405020304" pitchFamily="18" charset="0"/>
-              </a:rPr>
-              <a:t>进货款合计</a:t>
-            </a:r>
-            <a:endParaRPr lang="en-US" altLang="zh-CN" sz="1800" dirty="0" smtClean="0">
+            <a:endParaRPr lang="en-US" altLang="zh-CN" dirty="0" smtClean="0">
               <a:latin typeface="宋体" panose="02010600030101010101" pitchFamily="2" charset="-122"/>
+              <a:ea typeface="宋体" panose="02010600030101010101" pitchFamily="2" charset="-122"/>
+            </a:endParaRPr>
+          </a:p>
+          <a:p>
+            <a:pPr lvl="2"/>
+            <a:endParaRPr lang="en-US" altLang="zh-CN" dirty="0">
+              <a:latin typeface="宋体" panose="02010600030101010101" pitchFamily="2" charset="-122"/>
+              <a:ea typeface="宋体" panose="02010600030101010101" pitchFamily="2" charset="-122"/>
+            </a:endParaRPr>
+          </a:p>
+        </p:txBody>
+      </p:sp>
+      <p:sp>
+        <p:nvSpPr>
+          <p:cNvPr id="4" name="圆角矩形 3"/>
+          <p:cNvSpPr/>
+          <p:nvPr/>
+        </p:nvSpPr>
+        <p:spPr bwMode="auto">
+          <a:xfrm>
+            <a:off x="530133" y="1529052"/>
+            <a:ext cx="6072230" cy="571504"/>
+          </a:xfrm>
+          <a:prstGeom prst="roundRect">
+            <a:avLst/>
+          </a:prstGeom>
+          <a:ln>
+            <a:headEnd type="none" w="med" len="med"/>
+            <a:tailEnd type="none" w="med" len="med"/>
+          </a:ln>
+        </p:spPr>
+        <p:style>
+          <a:lnRef idx="1">
+            <a:schemeClr val="accent1"/>
+          </a:lnRef>
+          <a:fillRef idx="2">
+            <a:schemeClr val="accent1"/>
+          </a:fillRef>
+          <a:effectRef idx="1">
+            <a:schemeClr val="accent1"/>
+          </a:effectRef>
+          <a:fontRef idx="minor">
+            <a:schemeClr val="dk1"/>
+          </a:fontRef>
+        </p:style>
+        <p:txBody>
+          <a:bodyPr vert="horz" wrap="square" lIns="91440" tIns="45720" rIns="91440" bIns="45720" numCol="1" rtlCol="0" anchor="t" anchorCtr="0" compatLnSpc="1">
+            <a:prstTxWarp prst="textNoShape">
+              <a:avLst/>
+            </a:prstTxWarp>
+          </a:bodyPr>
+          <a:lstStyle/>
+          <a:p>
+            <a:pPr latinLnBrk="1"/>
+            <a:r>
+              <a:rPr kumimoji="1" lang="zh-CN" altLang="en-US" sz="2000" b="1" dirty="0" smtClean="0">
+                <a:solidFill>
+                  <a:schemeClr val="tx1"/>
+                </a:solidFill>
+                <a:latin typeface="Times New Roman" panose="02020603050405020304" pitchFamily="18" charset="0"/>
+                <a:ea typeface="宋体" panose="02010600030101010101" pitchFamily="2" charset="-122"/>
+                <a:cs typeface="Times New Roman" panose="02020603050405020304" pitchFamily="18" charset="0"/>
+              </a:rPr>
+              <a:t>系统功能图</a:t>
+            </a:r>
+            <a:endParaRPr kumimoji="1" lang="zh-CN" altLang="en-US" sz="2000" b="1" dirty="0">
+              <a:solidFill>
+                <a:schemeClr val="tx1"/>
+              </a:solidFill>
+              <a:latin typeface="Times New Roman" panose="02020603050405020304" pitchFamily="18" charset="0"/>
               <a:ea typeface="宋体" panose="02010600030101010101" pitchFamily="2" charset="-122"/>
               <a:cs typeface="Times New Roman" panose="02020603050405020304" pitchFamily="18" charset="0"/>
             </a:endParaRPr>
           </a:p>
         </p:txBody>
       </p:sp>
+      <p:graphicFrame>
+        <p:nvGraphicFramePr>
+          <p:cNvPr id="5" name="对象 4"/>
+          <p:cNvGraphicFramePr>
+            <a:graphicFrameLocks noChangeAspect="1"/>
+          </p:cNvGraphicFramePr>
+          <p:nvPr>
+            <p:extLst>
+              <p:ext uri="{D42A27DB-BD31-4B8C-83A1-F6EECF244321}">
+                <p14:modId xmlns:p14="http://schemas.microsoft.com/office/powerpoint/2010/main" val="259379089"/>
+              </p:ext>
+            </p:extLst>
+          </p:nvPr>
+        </p:nvGraphicFramePr>
+        <p:xfrm>
+          <a:off x="1933575" y="2451571"/>
+          <a:ext cx="5276850" cy="3552825"/>
+        </p:xfrm>
+        <a:graphic>
+          <a:graphicData uri="http://schemas.openxmlformats.org/presentationml/2006/ole">
+            <mc:AlternateContent xmlns:mc="http://schemas.openxmlformats.org/markup-compatibility/2006">
+              <mc:Choice xmlns:v="urn:schemas-microsoft-com:vml" Requires="v">
+                <p:oleObj spid="_x0000_s12302" name="Visio" r:id="rId3" imgW="5619931" imgH="3781278" progId="Visio.Drawing.15">
+                  <p:embed/>
+                </p:oleObj>
+              </mc:Choice>
+              <mc:Fallback>
+                <p:oleObj name="Visio" r:id="rId3" imgW="5619931" imgH="3781278" progId="Visio.Drawing.15">
+                  <p:embed/>
+                  <p:pic>
+                    <p:nvPicPr>
+                      <p:cNvPr id="0" name="Object 2"/>
+                      <p:cNvPicPr>
+                        <a:picLocks noChangeAspect="1" noChangeArrowheads="1"/>
+                      </p:cNvPicPr>
+                      <p:nvPr/>
+                    </p:nvPicPr>
+                    <p:blipFill>
+                      <a:blip r:embed="rId4">
+                        <a:extLst>
+                          <a:ext uri="{28A0092B-C50C-407E-A947-70E740481C1C}">
+                            <a14:useLocalDpi xmlns:a14="http://schemas.microsoft.com/office/drawing/2010/main" val="0"/>
+                          </a:ext>
+                        </a:extLst>
+                      </a:blip>
+                      <a:srcRect/>
+                      <a:stretch>
+                        <a:fillRect/>
+                      </a:stretch>
+                    </p:blipFill>
+                    <p:spPr bwMode="auto">
+                      <a:xfrm>
+                        <a:off x="1933575" y="2451571"/>
+                        <a:ext cx="5276850" cy="3552825"/>
+                      </a:xfrm>
+                      <a:prstGeom prst="rect">
+                        <a:avLst/>
+                      </a:prstGeom>
+                      <a:noFill/>
+                      <a:extLst>
+                        <a:ext uri="{909E8E84-426E-40DD-AFC4-6F175D3DCCD1}">
+                          <a14:hiddenFill xmlns:a14="http://schemas.microsoft.com/office/drawing/2010/main">
+                            <a:solidFill>
+                              <a:srgbClr val="FFFFFF"/>
+                            </a:solidFill>
+                          </a14:hiddenFill>
+                        </a:ext>
+                      </a:extLst>
+                    </p:spPr>
+                  </p:pic>
+                </p:oleObj>
+              </mc:Fallback>
+            </mc:AlternateContent>
+          </a:graphicData>
+        </a:graphic>
+      </p:graphicFrame>
     </p:spTree>
     <p:extLst>
       <p:ext uri="{BB962C8B-B14F-4D97-AF65-F5344CB8AC3E}">
-        <p14:creationId xmlns:p14="http://schemas.microsoft.com/office/powerpoint/2010/main" val="1505081295"/>
+        <p14:creationId xmlns:p14="http://schemas.microsoft.com/office/powerpoint/2010/main" val="2783780551"/>
       </p:ext>
     </p:extLst>
   </p:cSld>
@@ -8859,118 +10125,7 @@
                 <a:latin typeface="宋体" panose="02010600030101010101" pitchFamily="2" charset="-122"/>
                 <a:ea typeface="宋体" panose="02010600030101010101" pitchFamily="2" charset="-122"/>
               </a:rPr>
-              <a:t>就很快就会</a:t>
-            </a:r>
-            <a:endParaRPr lang="zh-CN" altLang="en-US" dirty="0">
-              <a:latin typeface="宋体" panose="02010600030101010101" pitchFamily="2" charset="-122"/>
-              <a:ea typeface="宋体" panose="02010600030101010101" pitchFamily="2" charset="-122"/>
-            </a:endParaRPr>
-          </a:p>
-        </p:txBody>
-      </p:sp>
-      <p:sp>
-        <p:nvSpPr>
-          <p:cNvPr id="3" name="内容占位符 2"/>
-          <p:cNvSpPr>
-            <a:spLocks noGrp="1"/>
-          </p:cNvSpPr>
-          <p:nvPr>
-            <p:ph idx="1"/>
-          </p:nvPr>
-        </p:nvSpPr>
-        <p:spPr>
-          <a:xfrm>
-            <a:off x="457200" y="1417637"/>
-            <a:ext cx="8229600" cy="5070711"/>
-          </a:xfrm>
-        </p:spPr>
-        <p:txBody>
-          <a:bodyPr/>
-          <a:lstStyle/>
-          <a:p>
-            <a:pPr marL="0" indent="0" algn="just">
-              <a:spcBef>
-                <a:spcPts val="600"/>
-              </a:spcBef>
-              <a:spcAft>
-                <a:spcPts val="600"/>
-              </a:spcAft>
-              <a:buNone/>
-            </a:pPr>
-            <a:r>
-              <a:rPr lang="zh-CN" altLang="en-US" sz="1800" dirty="0" smtClean="0">
-                <a:latin typeface="宋体" panose="02010600030101010101" pitchFamily="2" charset="-122"/>
-                <a:ea typeface="宋体" panose="02010600030101010101" pitchFamily="2" charset="-122"/>
-                <a:cs typeface="Times New Roman" panose="02020603050405020304" pitchFamily="18" charset="0"/>
-              </a:rPr>
-              <a:t>进货款合计</a:t>
-            </a:r>
-            <a:endParaRPr lang="en-US" altLang="zh-CN" sz="1800" dirty="0" smtClean="0">
-              <a:latin typeface="宋体" panose="02010600030101010101" pitchFamily="2" charset="-122"/>
-              <a:ea typeface="宋体" panose="02010600030101010101" pitchFamily="2" charset="-122"/>
-              <a:cs typeface="Times New Roman" panose="02020603050405020304" pitchFamily="18" charset="0"/>
-            </a:endParaRPr>
-          </a:p>
-        </p:txBody>
-      </p:sp>
-    </p:spTree>
-    <p:extLst>
-      <p:ext uri="{BB962C8B-B14F-4D97-AF65-F5344CB8AC3E}">
-        <p14:creationId xmlns:p14="http://schemas.microsoft.com/office/powerpoint/2010/main" val="1306024187"/>
-      </p:ext>
-    </p:extLst>
-  </p:cSld>
-  <p:clrMapOvr>
-    <a:masterClrMapping/>
-  </p:clrMapOvr>
-  <p:timing>
-    <p:tnLst>
-      <p:par>
-        <p:cTn id="1" dur="indefinite" restart="never" nodeType="tmRoot"/>
-      </p:par>
-    </p:tnLst>
-  </p:timing>
-</p:sld>
-</file>
-
-<file path=ppt/slides/slide16.xml><?xml version="1.0" encoding="utf-8"?>
-<p:sld xmlns:a="http://schemas.openxmlformats.org/drawingml/2006/main" xmlns:r="http://schemas.openxmlformats.org/officeDocument/2006/relationships" xmlns:p="http://schemas.openxmlformats.org/presentationml/2006/main">
-  <p:cSld>
-    <p:spTree>
-      <p:nvGrpSpPr>
-        <p:cNvPr id="1" name=""/>
-        <p:cNvGrpSpPr/>
-        <p:nvPr/>
-      </p:nvGrpSpPr>
-      <p:grpSpPr>
-        <a:xfrm>
-          <a:off x="0" y="0"/>
-          <a:ext cx="0" cy="0"/>
-          <a:chOff x="0" y="0"/>
-          <a:chExt cx="0" cy="0"/>
-        </a:xfrm>
-      </p:grpSpPr>
-      <p:sp>
-        <p:nvSpPr>
-          <p:cNvPr id="2" name="标题 1"/>
-          <p:cNvSpPr>
-            <a:spLocks noGrp="1"/>
-          </p:cNvSpPr>
-          <p:nvPr>
-            <p:ph type="title"/>
-          </p:nvPr>
-        </p:nvSpPr>
-        <p:spPr/>
-        <p:txBody>
-          <a:bodyPr/>
-          <a:lstStyle/>
-          <a:p>
-            <a:r>
-              <a:rPr lang="zh-CN" altLang="en-US" dirty="0" smtClean="0">
-                <a:latin typeface="宋体" panose="02010600030101010101" pitchFamily="2" charset="-122"/>
-                <a:ea typeface="宋体" panose="02010600030101010101" pitchFamily="2" charset="-122"/>
-              </a:rPr>
-              <a:t>系统的设计与实现</a:t>
+              <a:t>实例</a:t>
             </a:r>
             <a:endParaRPr lang="zh-CN" altLang="en-US" dirty="0">
               <a:latin typeface="宋体" panose="02010600030101010101" pitchFamily="2" charset="-122"/>
@@ -9067,7 +10222,7 @@
                 <a:ea typeface="宋体" panose="02010600030101010101" pitchFamily="2" charset="-122"/>
                 <a:cs typeface="Times New Roman" panose="02020603050405020304" pitchFamily="18" charset="0"/>
               </a:rPr>
-              <a:t>系统功能图</a:t>
+              <a:t>可追踪性</a:t>
             </a:r>
             <a:endParaRPr kumimoji="1" lang="zh-CN" altLang="en-US" sz="2000" b="1" dirty="0">
               <a:solidFill>
@@ -9080,10 +10235,617 @@
           </a:p>
         </p:txBody>
       </p:sp>
+      <p:pic>
+        <p:nvPicPr>
+          <p:cNvPr id="6" name="图片 5"/>
+          <p:cNvPicPr>
+            <a:picLocks noChangeAspect="1"/>
+          </p:cNvPicPr>
+          <p:nvPr/>
+        </p:nvPicPr>
+        <p:blipFill>
+          <a:blip r:embed="rId2">
+            <a:extLst>
+              <a:ext uri="{28A0092B-C50C-407E-A947-70E740481C1C}">
+                <a14:useLocalDpi xmlns:a14="http://schemas.microsoft.com/office/drawing/2010/main" val="0"/>
+              </a:ext>
+            </a:extLst>
+          </a:blip>
+          <a:stretch>
+            <a:fillRect/>
+          </a:stretch>
+        </p:blipFill>
+        <p:spPr>
+          <a:xfrm>
+            <a:off x="1809287" y="1529052"/>
+            <a:ext cx="4921261" cy="5035709"/>
+          </a:xfrm>
+          <a:prstGeom prst="rect">
+            <a:avLst/>
+          </a:prstGeom>
+        </p:spPr>
+      </p:pic>
+      <p:pic>
+        <p:nvPicPr>
+          <p:cNvPr id="7" name="图片 6"/>
+          <p:cNvPicPr>
+            <a:picLocks noChangeAspect="1"/>
+          </p:cNvPicPr>
+          <p:nvPr/>
+        </p:nvPicPr>
+        <p:blipFill>
+          <a:blip r:embed="rId3">
+            <a:extLst>
+              <a:ext uri="{28A0092B-C50C-407E-A947-70E740481C1C}">
+                <a14:useLocalDpi xmlns:a14="http://schemas.microsoft.com/office/drawing/2010/main" val="0"/>
+              </a:ext>
+            </a:extLst>
+          </a:blip>
+          <a:stretch>
+            <a:fillRect/>
+          </a:stretch>
+        </p:blipFill>
+        <p:spPr>
+          <a:xfrm>
+            <a:off x="2547707" y="1516536"/>
+            <a:ext cx="6198751" cy="5048225"/>
+          </a:xfrm>
+          <a:prstGeom prst="rect">
+            <a:avLst/>
+          </a:prstGeom>
+        </p:spPr>
+      </p:pic>
+      <p:pic>
+        <p:nvPicPr>
+          <p:cNvPr id="8" name="图片 7"/>
+          <p:cNvPicPr>
+            <a:picLocks noChangeAspect="1"/>
+          </p:cNvPicPr>
+          <p:nvPr/>
+        </p:nvPicPr>
+        <p:blipFill>
+          <a:blip r:embed="rId4">
+            <a:extLst>
+              <a:ext uri="{28A0092B-C50C-407E-A947-70E740481C1C}">
+                <a14:useLocalDpi xmlns:a14="http://schemas.microsoft.com/office/drawing/2010/main" val="0"/>
+              </a:ext>
+            </a:extLst>
+          </a:blip>
+          <a:stretch>
+            <a:fillRect/>
+          </a:stretch>
+        </p:blipFill>
+        <p:spPr>
+          <a:xfrm>
+            <a:off x="3783724" y="1483750"/>
+            <a:ext cx="4572000" cy="5113796"/>
+          </a:xfrm>
+          <a:prstGeom prst="rect">
+            <a:avLst/>
+          </a:prstGeom>
+        </p:spPr>
+      </p:pic>
     </p:spTree>
     <p:extLst>
       <p:ext uri="{BB962C8B-B14F-4D97-AF65-F5344CB8AC3E}">
-        <p14:creationId xmlns:p14="http://schemas.microsoft.com/office/powerpoint/2010/main" val="2783780551"/>
+        <p14:creationId xmlns:p14="http://schemas.microsoft.com/office/powerpoint/2010/main" val="1938815516"/>
+      </p:ext>
+    </p:extLst>
+  </p:cSld>
+  <p:clrMapOvr>
+    <a:masterClrMapping/>
+  </p:clrMapOvr>
+  <p:timing>
+    <p:tnLst>
+      <p:par>
+        <p:cTn id="1" dur="indefinite" restart="never" nodeType="tmRoot">
+          <p:childTnLst>
+            <p:seq concurrent="1" nextAc="seek">
+              <p:cTn id="2" dur="indefinite" nodeType="mainSeq">
+                <p:childTnLst>
+                  <p:par>
+                    <p:cTn id="3" fill="hold">
+                      <p:stCondLst>
+                        <p:cond delay="indefinite"/>
+                      </p:stCondLst>
+                      <p:childTnLst>
+                        <p:par>
+                          <p:cTn id="4" fill="hold">
+                            <p:stCondLst>
+                              <p:cond delay="0"/>
+                            </p:stCondLst>
+                            <p:childTnLst>
+                              <p:par>
+                                <p:cTn id="5" presetID="42" presetClass="entr" presetSubtype="0" fill="hold" nodeType="clickEffect">
+                                  <p:stCondLst>
+                                    <p:cond delay="0"/>
+                                  </p:stCondLst>
+                                  <p:childTnLst>
+                                    <p:set>
+                                      <p:cBhvr>
+                                        <p:cTn id="6" dur="1" fill="hold">
+                                          <p:stCondLst>
+                                            <p:cond delay="0"/>
+                                          </p:stCondLst>
+                                        </p:cTn>
+                                        <p:tgtEl>
+                                          <p:spTgt spid="6"/>
+                                        </p:tgtEl>
+                                        <p:attrNameLst>
+                                          <p:attrName>style.visibility</p:attrName>
+                                        </p:attrNameLst>
+                                      </p:cBhvr>
+                                      <p:to>
+                                        <p:strVal val="visible"/>
+                                      </p:to>
+                                    </p:set>
+                                    <p:animEffect transition="in" filter="fade">
+                                      <p:cBhvr>
+                                        <p:cTn id="7" dur="1000"/>
+                                        <p:tgtEl>
+                                          <p:spTgt spid="6"/>
+                                        </p:tgtEl>
+                                      </p:cBhvr>
+                                    </p:animEffect>
+                                    <p:anim calcmode="lin" valueType="num">
+                                      <p:cBhvr>
+                                        <p:cTn id="8" dur="1000" fill="hold"/>
+                                        <p:tgtEl>
+                                          <p:spTgt spid="6"/>
+                                        </p:tgtEl>
+                                        <p:attrNameLst>
+                                          <p:attrName>ppt_x</p:attrName>
+                                        </p:attrNameLst>
+                                      </p:cBhvr>
+                                      <p:tavLst>
+                                        <p:tav tm="0">
+                                          <p:val>
+                                            <p:strVal val="#ppt_x"/>
+                                          </p:val>
+                                        </p:tav>
+                                        <p:tav tm="100000">
+                                          <p:val>
+                                            <p:strVal val="#ppt_x"/>
+                                          </p:val>
+                                        </p:tav>
+                                      </p:tavLst>
+                                    </p:anim>
+                                    <p:anim calcmode="lin" valueType="num">
+                                      <p:cBhvr>
+                                        <p:cTn id="9" dur="1000" fill="hold"/>
+                                        <p:tgtEl>
+                                          <p:spTgt spid="6"/>
+                                        </p:tgtEl>
+                                        <p:attrNameLst>
+                                          <p:attrName>ppt_y</p:attrName>
+                                        </p:attrNameLst>
+                                      </p:cBhvr>
+                                      <p:tavLst>
+                                        <p:tav tm="0">
+                                          <p:val>
+                                            <p:strVal val="#ppt_y+.1"/>
+                                          </p:val>
+                                        </p:tav>
+                                        <p:tav tm="100000">
+                                          <p:val>
+                                            <p:strVal val="#ppt_y"/>
+                                          </p:val>
+                                        </p:tav>
+                                      </p:tavLst>
+                                    </p:anim>
+                                  </p:childTnLst>
+                                </p:cTn>
+                              </p:par>
+                            </p:childTnLst>
+                          </p:cTn>
+                        </p:par>
+                      </p:childTnLst>
+                    </p:cTn>
+                  </p:par>
+                  <p:par>
+                    <p:cTn id="10" fill="hold">
+                      <p:stCondLst>
+                        <p:cond delay="indefinite"/>
+                      </p:stCondLst>
+                      <p:childTnLst>
+                        <p:par>
+                          <p:cTn id="11" fill="hold">
+                            <p:stCondLst>
+                              <p:cond delay="0"/>
+                            </p:stCondLst>
+                            <p:childTnLst>
+                              <p:par>
+                                <p:cTn id="12" presetID="42" presetClass="entr" presetSubtype="0" fill="hold" nodeType="clickEffect">
+                                  <p:stCondLst>
+                                    <p:cond delay="0"/>
+                                  </p:stCondLst>
+                                  <p:childTnLst>
+                                    <p:set>
+                                      <p:cBhvr>
+                                        <p:cTn id="13" dur="1" fill="hold">
+                                          <p:stCondLst>
+                                            <p:cond delay="0"/>
+                                          </p:stCondLst>
+                                        </p:cTn>
+                                        <p:tgtEl>
+                                          <p:spTgt spid="7"/>
+                                        </p:tgtEl>
+                                        <p:attrNameLst>
+                                          <p:attrName>style.visibility</p:attrName>
+                                        </p:attrNameLst>
+                                      </p:cBhvr>
+                                      <p:to>
+                                        <p:strVal val="visible"/>
+                                      </p:to>
+                                    </p:set>
+                                    <p:animEffect transition="in" filter="fade">
+                                      <p:cBhvr>
+                                        <p:cTn id="14" dur="1000"/>
+                                        <p:tgtEl>
+                                          <p:spTgt spid="7"/>
+                                        </p:tgtEl>
+                                      </p:cBhvr>
+                                    </p:animEffect>
+                                    <p:anim calcmode="lin" valueType="num">
+                                      <p:cBhvr>
+                                        <p:cTn id="15" dur="1000" fill="hold"/>
+                                        <p:tgtEl>
+                                          <p:spTgt spid="7"/>
+                                        </p:tgtEl>
+                                        <p:attrNameLst>
+                                          <p:attrName>ppt_x</p:attrName>
+                                        </p:attrNameLst>
+                                      </p:cBhvr>
+                                      <p:tavLst>
+                                        <p:tav tm="0">
+                                          <p:val>
+                                            <p:strVal val="#ppt_x"/>
+                                          </p:val>
+                                        </p:tav>
+                                        <p:tav tm="100000">
+                                          <p:val>
+                                            <p:strVal val="#ppt_x"/>
+                                          </p:val>
+                                        </p:tav>
+                                      </p:tavLst>
+                                    </p:anim>
+                                    <p:anim calcmode="lin" valueType="num">
+                                      <p:cBhvr>
+                                        <p:cTn id="16" dur="1000" fill="hold"/>
+                                        <p:tgtEl>
+                                          <p:spTgt spid="7"/>
+                                        </p:tgtEl>
+                                        <p:attrNameLst>
+                                          <p:attrName>ppt_y</p:attrName>
+                                        </p:attrNameLst>
+                                      </p:cBhvr>
+                                      <p:tavLst>
+                                        <p:tav tm="0">
+                                          <p:val>
+                                            <p:strVal val="#ppt_y+.1"/>
+                                          </p:val>
+                                        </p:tav>
+                                        <p:tav tm="100000">
+                                          <p:val>
+                                            <p:strVal val="#ppt_y"/>
+                                          </p:val>
+                                        </p:tav>
+                                      </p:tavLst>
+                                    </p:anim>
+                                  </p:childTnLst>
+                                </p:cTn>
+                              </p:par>
+                            </p:childTnLst>
+                          </p:cTn>
+                        </p:par>
+                      </p:childTnLst>
+                    </p:cTn>
+                  </p:par>
+                  <p:par>
+                    <p:cTn id="17" fill="hold">
+                      <p:stCondLst>
+                        <p:cond delay="indefinite"/>
+                      </p:stCondLst>
+                      <p:childTnLst>
+                        <p:par>
+                          <p:cTn id="18" fill="hold">
+                            <p:stCondLst>
+                              <p:cond delay="0"/>
+                            </p:stCondLst>
+                            <p:childTnLst>
+                              <p:par>
+                                <p:cTn id="19" presetID="42" presetClass="entr" presetSubtype="0" fill="hold" nodeType="clickEffect">
+                                  <p:stCondLst>
+                                    <p:cond delay="0"/>
+                                  </p:stCondLst>
+                                  <p:childTnLst>
+                                    <p:set>
+                                      <p:cBhvr>
+                                        <p:cTn id="20" dur="1" fill="hold">
+                                          <p:stCondLst>
+                                            <p:cond delay="0"/>
+                                          </p:stCondLst>
+                                        </p:cTn>
+                                        <p:tgtEl>
+                                          <p:spTgt spid="8"/>
+                                        </p:tgtEl>
+                                        <p:attrNameLst>
+                                          <p:attrName>style.visibility</p:attrName>
+                                        </p:attrNameLst>
+                                      </p:cBhvr>
+                                      <p:to>
+                                        <p:strVal val="visible"/>
+                                      </p:to>
+                                    </p:set>
+                                    <p:animEffect transition="in" filter="fade">
+                                      <p:cBhvr>
+                                        <p:cTn id="21" dur="1000"/>
+                                        <p:tgtEl>
+                                          <p:spTgt spid="8"/>
+                                        </p:tgtEl>
+                                      </p:cBhvr>
+                                    </p:animEffect>
+                                    <p:anim calcmode="lin" valueType="num">
+                                      <p:cBhvr>
+                                        <p:cTn id="22" dur="1000" fill="hold"/>
+                                        <p:tgtEl>
+                                          <p:spTgt spid="8"/>
+                                        </p:tgtEl>
+                                        <p:attrNameLst>
+                                          <p:attrName>ppt_x</p:attrName>
+                                        </p:attrNameLst>
+                                      </p:cBhvr>
+                                      <p:tavLst>
+                                        <p:tav tm="0">
+                                          <p:val>
+                                            <p:strVal val="#ppt_x"/>
+                                          </p:val>
+                                        </p:tav>
+                                        <p:tav tm="100000">
+                                          <p:val>
+                                            <p:strVal val="#ppt_x"/>
+                                          </p:val>
+                                        </p:tav>
+                                      </p:tavLst>
+                                    </p:anim>
+                                    <p:anim calcmode="lin" valueType="num">
+                                      <p:cBhvr>
+                                        <p:cTn id="23" dur="1000" fill="hold"/>
+                                        <p:tgtEl>
+                                          <p:spTgt spid="8"/>
+                                        </p:tgtEl>
+                                        <p:attrNameLst>
+                                          <p:attrName>ppt_y</p:attrName>
+                                        </p:attrNameLst>
+                                      </p:cBhvr>
+                                      <p:tavLst>
+                                        <p:tav tm="0">
+                                          <p:val>
+                                            <p:strVal val="#ppt_y+.1"/>
+                                          </p:val>
+                                        </p:tav>
+                                        <p:tav tm="100000">
+                                          <p:val>
+                                            <p:strVal val="#ppt_y"/>
+                                          </p:val>
+                                        </p:tav>
+                                      </p:tavLst>
+                                    </p:anim>
+                                  </p:childTnLst>
+                                </p:cTn>
+                              </p:par>
+                            </p:childTnLst>
+                          </p:cTn>
+                        </p:par>
+                      </p:childTnLst>
+                    </p:cTn>
+                  </p:par>
+                </p:childTnLst>
+              </p:cTn>
+              <p:prevCondLst>
+                <p:cond evt="onPrev" delay="0">
+                  <p:tgtEl>
+                    <p:sldTgt/>
+                  </p:tgtEl>
+                </p:cond>
+              </p:prevCondLst>
+              <p:nextCondLst>
+                <p:cond evt="onNext" delay="0">
+                  <p:tgtEl>
+                    <p:sldTgt/>
+                  </p:tgtEl>
+                </p:cond>
+              </p:nextCondLst>
+            </p:seq>
+          </p:childTnLst>
+        </p:cTn>
+      </p:par>
+    </p:tnLst>
+  </p:timing>
+</p:sld>
+</file>
+
+<file path=ppt/slides/slide16.xml><?xml version="1.0" encoding="utf-8"?>
+<p:sld xmlns:a="http://schemas.openxmlformats.org/drawingml/2006/main" xmlns:r="http://schemas.openxmlformats.org/officeDocument/2006/relationships" xmlns:p="http://schemas.openxmlformats.org/presentationml/2006/main">
+  <p:cSld>
+    <p:spTree>
+      <p:nvGrpSpPr>
+        <p:cNvPr id="1" name=""/>
+        <p:cNvGrpSpPr/>
+        <p:nvPr/>
+      </p:nvGrpSpPr>
+      <p:grpSpPr>
+        <a:xfrm>
+          <a:off x="0" y="0"/>
+          <a:ext cx="0" cy="0"/>
+          <a:chOff x="0" y="0"/>
+          <a:chExt cx="0" cy="0"/>
+        </a:xfrm>
+      </p:grpSpPr>
+      <p:sp>
+        <p:nvSpPr>
+          <p:cNvPr id="2" name="标题 1"/>
+          <p:cNvSpPr>
+            <a:spLocks noGrp="1"/>
+          </p:cNvSpPr>
+          <p:nvPr>
+            <p:ph type="title"/>
+          </p:nvPr>
+        </p:nvSpPr>
+        <p:spPr/>
+        <p:txBody>
+          <a:bodyPr/>
+          <a:lstStyle/>
+          <a:p>
+            <a:r>
+              <a:rPr lang="zh-CN" altLang="en-US" dirty="0" smtClean="0">
+                <a:latin typeface="宋体" panose="02010600030101010101" pitchFamily="2" charset="-122"/>
+                <a:ea typeface="宋体" panose="02010600030101010101" pitchFamily="2" charset="-122"/>
+              </a:rPr>
+              <a:t>应用</a:t>
+            </a:r>
+            <a:endParaRPr lang="zh-CN" altLang="en-US" dirty="0">
+              <a:latin typeface="宋体" panose="02010600030101010101" pitchFamily="2" charset="-122"/>
+              <a:ea typeface="宋体" panose="02010600030101010101" pitchFamily="2" charset="-122"/>
+            </a:endParaRPr>
+          </a:p>
+        </p:txBody>
+      </p:sp>
+      <p:sp>
+        <p:nvSpPr>
+          <p:cNvPr id="3" name="内容占位符 2"/>
+          <p:cNvSpPr>
+            <a:spLocks noGrp="1"/>
+          </p:cNvSpPr>
+          <p:nvPr>
+            <p:ph idx="1"/>
+          </p:nvPr>
+        </p:nvSpPr>
+        <p:spPr>
+          <a:xfrm>
+            <a:off x="457200" y="1417637"/>
+            <a:ext cx="8229600" cy="5070711"/>
+          </a:xfrm>
+        </p:spPr>
+        <p:txBody>
+          <a:bodyPr/>
+          <a:lstStyle/>
+          <a:p>
+            <a:pPr marL="0" indent="0">
+              <a:buNone/>
+            </a:pPr>
+            <a:endParaRPr lang="en-US" altLang="zh-CN" dirty="0" smtClean="0">
+              <a:latin typeface="宋体" panose="02010600030101010101" pitchFamily="2" charset="-122"/>
+              <a:ea typeface="宋体" panose="02010600030101010101" pitchFamily="2" charset="-122"/>
+            </a:endParaRPr>
+          </a:p>
+          <a:p>
+            <a:pPr lvl="2"/>
+            <a:endParaRPr lang="en-US" altLang="zh-CN" dirty="0">
+              <a:latin typeface="宋体" panose="02010600030101010101" pitchFamily="2" charset="-122"/>
+              <a:ea typeface="宋体" panose="02010600030101010101" pitchFamily="2" charset="-122"/>
+            </a:endParaRPr>
+          </a:p>
+        </p:txBody>
+      </p:sp>
+      <p:sp>
+        <p:nvSpPr>
+          <p:cNvPr id="4" name="圆角矩形 3"/>
+          <p:cNvSpPr/>
+          <p:nvPr/>
+        </p:nvSpPr>
+        <p:spPr bwMode="auto">
+          <a:xfrm>
+            <a:off x="530133" y="1529052"/>
+            <a:ext cx="6072230" cy="571504"/>
+          </a:xfrm>
+          <a:prstGeom prst="roundRect">
+            <a:avLst/>
+          </a:prstGeom>
+          <a:ln>
+            <a:headEnd type="none" w="med" len="med"/>
+            <a:tailEnd type="none" w="med" len="med"/>
+          </a:ln>
+        </p:spPr>
+        <p:style>
+          <a:lnRef idx="1">
+            <a:schemeClr val="accent1"/>
+          </a:lnRef>
+          <a:fillRef idx="2">
+            <a:schemeClr val="accent1"/>
+          </a:fillRef>
+          <a:effectRef idx="1">
+            <a:schemeClr val="accent1"/>
+          </a:effectRef>
+          <a:fontRef idx="minor">
+            <a:schemeClr val="dk1"/>
+          </a:fontRef>
+        </p:style>
+        <p:txBody>
+          <a:bodyPr vert="horz" wrap="square" lIns="91440" tIns="45720" rIns="91440" bIns="45720" numCol="1" rtlCol="0" anchor="t" anchorCtr="0" compatLnSpc="1">
+            <a:prstTxWarp prst="textNoShape">
+              <a:avLst/>
+            </a:prstTxWarp>
+          </a:bodyPr>
+          <a:lstStyle/>
+          <a:p>
+            <a:pPr latinLnBrk="1"/>
+            <a:r>
+              <a:rPr kumimoji="1" lang="zh-CN" altLang="en-US" sz="2000" b="1" dirty="0" smtClean="0">
+                <a:solidFill>
+                  <a:schemeClr val="tx1"/>
+                </a:solidFill>
+                <a:latin typeface="Times New Roman" panose="02020603050405020304" pitchFamily="18" charset="0"/>
+                <a:ea typeface="宋体" panose="02010600030101010101" pitchFamily="2" charset="-122"/>
+                <a:cs typeface="Times New Roman" panose="02020603050405020304" pitchFamily="18" charset="0"/>
+              </a:rPr>
+              <a:t>日志输出</a:t>
+            </a:r>
+            <a:endParaRPr kumimoji="1" lang="zh-CN" altLang="en-US" sz="2000" b="1" dirty="0">
+              <a:solidFill>
+                <a:schemeClr val="tx1"/>
+              </a:solidFill>
+              <a:latin typeface="Times New Roman" panose="02020603050405020304" pitchFamily="18" charset="0"/>
+              <a:ea typeface="宋体" panose="02010600030101010101" pitchFamily="2" charset="-122"/>
+              <a:cs typeface="Times New Roman" panose="02020603050405020304" pitchFamily="18" charset="0"/>
+            </a:endParaRPr>
+          </a:p>
+        </p:txBody>
+      </p:sp>
+      <p:pic>
+        <p:nvPicPr>
+          <p:cNvPr id="6" name="图片 5"/>
+          <p:cNvPicPr>
+            <a:picLocks noChangeAspect="1"/>
+          </p:cNvPicPr>
+          <p:nvPr/>
+        </p:nvPicPr>
+        <p:blipFill>
+          <a:blip r:embed="rId2">
+            <a:extLst>
+              <a:ext uri="{28A0092B-C50C-407E-A947-70E740481C1C}">
+                <a14:useLocalDpi xmlns:a14="http://schemas.microsoft.com/office/drawing/2010/main" val="0"/>
+              </a:ext>
+            </a:extLst>
+          </a:blip>
+          <a:stretch>
+            <a:fillRect/>
+          </a:stretch>
+        </p:blipFill>
+        <p:spPr>
+          <a:xfrm>
+            <a:off x="0" y="2211970"/>
+            <a:ext cx="9144000" cy="4195483"/>
+          </a:xfrm>
+          <a:prstGeom prst="rect">
+            <a:avLst/>
+          </a:prstGeom>
+        </p:spPr>
+      </p:pic>
+    </p:spTree>
+    <p:extLst>
+      <p:ext uri="{BB962C8B-B14F-4D97-AF65-F5344CB8AC3E}">
+        <p14:creationId xmlns:p14="http://schemas.microsoft.com/office/powerpoint/2010/main" val="362195158"/>
       </p:ext>
     </p:extLst>
   </p:cSld>
@@ -9133,12 +10895,16 @@
           <a:lstStyle/>
           <a:p>
             <a:r>
-              <a:rPr lang="zh-CN" altLang="en-US" dirty="0">
-                <a:latin typeface="宋体" panose="02010600030101010101" pitchFamily="2" charset="-122"/>
-                <a:ea typeface="宋体" panose="02010600030101010101" pitchFamily="2" charset="-122"/>
-              </a:rPr>
-              <a:t>系统的设计与实现</a:t>
-            </a:r>
+              <a:rPr lang="zh-CN" altLang="en-US" dirty="0" smtClean="0">
+                <a:latin typeface="宋体" panose="02010600030101010101" pitchFamily="2" charset="-122"/>
+                <a:ea typeface="宋体" panose="02010600030101010101" pitchFamily="2" charset="-122"/>
+              </a:rPr>
+              <a:t>应用</a:t>
+            </a:r>
+            <a:endParaRPr lang="zh-CN" altLang="en-US" dirty="0">
+              <a:latin typeface="宋体" panose="02010600030101010101" pitchFamily="2" charset="-122"/>
+              <a:ea typeface="宋体" panose="02010600030101010101" pitchFamily="2" charset="-122"/>
+            </a:endParaRPr>
           </a:p>
         </p:txBody>
       </p:sp>
@@ -9162,28 +10928,168 @@
           <a:bodyPr/>
           <a:lstStyle/>
           <a:p>
-            <a:pPr algn="just">
-              <a:spcBef>
-                <a:spcPts val="600"/>
-              </a:spcBef>
-              <a:spcAft>
-                <a:spcPts val="600"/>
-              </a:spcAft>
-              <a:buFont typeface="Wingdings" panose="05000000000000000000" pitchFamily="2" charset="2"/>
-              <a:buChar char="Ø"/>
+            <a:pPr marL="0" indent="0">
+              <a:buNone/>
             </a:pPr>
-            <a:endParaRPr lang="en-US" altLang="zh-CN" sz="1600" dirty="0">
+            <a:endParaRPr lang="en-US" altLang="zh-CN" dirty="0" smtClean="0">
               <a:latin typeface="宋体" panose="02010600030101010101" pitchFamily="2" charset="-122"/>
+              <a:ea typeface="宋体" panose="02010600030101010101" pitchFamily="2" charset="-122"/>
+            </a:endParaRPr>
+          </a:p>
+          <a:p>
+            <a:pPr lvl="2"/>
+            <a:endParaRPr lang="en-US" altLang="zh-CN" dirty="0" smtClean="0">
+              <a:latin typeface="宋体" panose="02010600030101010101" pitchFamily="2" charset="-122"/>
+              <a:ea typeface="宋体" panose="02010600030101010101" pitchFamily="2" charset="-122"/>
+            </a:endParaRPr>
+          </a:p>
+          <a:p>
+            <a:pPr marL="914400" lvl="2" indent="0">
+              <a:buNone/>
+            </a:pPr>
+            <a:endParaRPr lang="en-US" altLang="zh-CN" dirty="0">
+              <a:latin typeface="宋体" panose="02010600030101010101" pitchFamily="2" charset="-122"/>
+              <a:ea typeface="宋体" panose="02010600030101010101" pitchFamily="2" charset="-122"/>
+            </a:endParaRPr>
+          </a:p>
+        </p:txBody>
+      </p:sp>
+      <p:sp>
+        <p:nvSpPr>
+          <p:cNvPr id="4" name="圆角矩形 3"/>
+          <p:cNvSpPr/>
+          <p:nvPr/>
+        </p:nvSpPr>
+        <p:spPr bwMode="auto">
+          <a:xfrm>
+            <a:off x="530133" y="1529052"/>
+            <a:ext cx="6072230" cy="571504"/>
+          </a:xfrm>
+          <a:prstGeom prst="roundRect">
+            <a:avLst/>
+          </a:prstGeom>
+          <a:ln>
+            <a:headEnd type="none" w="med" len="med"/>
+            <a:tailEnd type="none" w="med" len="med"/>
+          </a:ln>
+        </p:spPr>
+        <p:style>
+          <a:lnRef idx="1">
+            <a:schemeClr val="accent1"/>
+          </a:lnRef>
+          <a:fillRef idx="2">
+            <a:schemeClr val="accent1"/>
+          </a:fillRef>
+          <a:effectRef idx="1">
+            <a:schemeClr val="accent1"/>
+          </a:effectRef>
+          <a:fontRef idx="minor">
+            <a:schemeClr val="dk1"/>
+          </a:fontRef>
+        </p:style>
+        <p:txBody>
+          <a:bodyPr vert="horz" wrap="square" lIns="91440" tIns="45720" rIns="91440" bIns="45720" numCol="1" rtlCol="0" anchor="t" anchorCtr="0" compatLnSpc="1">
+            <a:prstTxWarp prst="textNoShape">
+              <a:avLst/>
+            </a:prstTxWarp>
+          </a:bodyPr>
+          <a:lstStyle/>
+          <a:p>
+            <a:pPr latinLnBrk="1"/>
+            <a:r>
+              <a:rPr kumimoji="1" lang="zh-CN" altLang="en-US" sz="2000" b="1" dirty="0" smtClean="0">
+                <a:solidFill>
+                  <a:schemeClr val="tx1"/>
+                </a:solidFill>
+                <a:latin typeface="Times New Roman" panose="02020603050405020304" pitchFamily="18" charset="0"/>
+                <a:ea typeface="宋体" panose="02010600030101010101" pitchFamily="2" charset="-122"/>
+                <a:cs typeface="Times New Roman" panose="02020603050405020304" pitchFamily="18" charset="0"/>
+              </a:rPr>
+              <a:t>验证过程输出</a:t>
+            </a:r>
+            <a:endParaRPr kumimoji="1" lang="zh-CN" altLang="en-US" sz="2000" b="1" dirty="0">
+              <a:solidFill>
+                <a:schemeClr val="tx1"/>
+              </a:solidFill>
+              <a:latin typeface="Times New Roman" panose="02020603050405020304" pitchFamily="18" charset="0"/>
               <a:ea typeface="宋体" panose="02010600030101010101" pitchFamily="2" charset="-122"/>
               <a:cs typeface="Times New Roman" panose="02020603050405020304" pitchFamily="18" charset="0"/>
             </a:endParaRPr>
+          </a:p>
+        </p:txBody>
+      </p:sp>
+      <p:pic>
+        <p:nvPicPr>
+          <p:cNvPr id="5" name="图片 4"/>
+          <p:cNvPicPr>
+            <a:picLocks noChangeAspect="1"/>
+          </p:cNvPicPr>
+          <p:nvPr/>
+        </p:nvPicPr>
+        <p:blipFill>
+          <a:blip r:embed="rId2">
+            <a:extLst>
+              <a:ext uri="{28A0092B-C50C-407E-A947-70E740481C1C}">
+                <a14:useLocalDpi xmlns:a14="http://schemas.microsoft.com/office/drawing/2010/main" val="0"/>
+              </a:ext>
+            </a:extLst>
+          </a:blip>
+          <a:stretch>
+            <a:fillRect/>
+          </a:stretch>
+        </p:blipFill>
+        <p:spPr>
+          <a:xfrm>
+            <a:off x="2269358" y="611702"/>
+            <a:ext cx="4860418" cy="5946753"/>
+          </a:xfrm>
+          <a:prstGeom prst="rect">
+            <a:avLst/>
+          </a:prstGeom>
+        </p:spPr>
+      </p:pic>
+      <p:sp>
+        <p:nvSpPr>
+          <p:cNvPr id="7" name="文本框 6"/>
+          <p:cNvSpPr txBox="1"/>
+          <p:nvPr/>
+        </p:nvSpPr>
+        <p:spPr>
+          <a:xfrm>
+            <a:off x="996381" y="3493638"/>
+            <a:ext cx="1627001" cy="369332"/>
+          </a:xfrm>
+          <a:prstGeom prst="rect">
+            <a:avLst/>
+          </a:prstGeom>
+          <a:noFill/>
+        </p:spPr>
+        <p:txBody>
+          <a:bodyPr wrap="square" rtlCol="0">
+            <a:spAutoFit/>
+          </a:bodyPr>
+          <a:lstStyle/>
+          <a:p>
+            <a:r>
+              <a:rPr lang="en-US" altLang="zh-CN" dirty="0"/>
+              <a:t>f</a:t>
+            </a:r>
+            <a:r>
+              <a:rPr lang="en-US" altLang="zh-CN" dirty="0" smtClean="0"/>
+              <a:t>or</a:t>
+            </a:r>
+            <a:r>
+              <a:rPr lang="zh-CN" altLang="en-US" dirty="0" smtClean="0"/>
+              <a:t>语句：</a:t>
+            </a:r>
+            <a:endParaRPr lang="zh-CN" altLang="en-US" dirty="0"/>
           </a:p>
         </p:txBody>
       </p:sp>
     </p:spTree>
     <p:extLst>
       <p:ext uri="{BB962C8B-B14F-4D97-AF65-F5344CB8AC3E}">
-        <p14:creationId xmlns:p14="http://schemas.microsoft.com/office/powerpoint/2010/main" val="940938643"/>
+        <p14:creationId xmlns:p14="http://schemas.microsoft.com/office/powerpoint/2010/main" val="849841805"/>
       </p:ext>
     </p:extLst>
   </p:cSld>
@@ -9193,9 +11099,199 @@
   <p:timing>
     <p:tnLst>
       <p:par>
-        <p:cTn id="1" dur="indefinite" restart="never" nodeType="tmRoot"/>
+        <p:cTn id="1" dur="indefinite" restart="never" nodeType="tmRoot">
+          <p:childTnLst>
+            <p:seq concurrent="1" nextAc="seek">
+              <p:cTn id="2" dur="indefinite" nodeType="mainSeq">
+                <p:childTnLst>
+                  <p:par>
+                    <p:cTn id="3" fill="hold">
+                      <p:stCondLst>
+                        <p:cond delay="indefinite"/>
+                      </p:stCondLst>
+                      <p:childTnLst>
+                        <p:par>
+                          <p:cTn id="4" fill="hold">
+                            <p:stCondLst>
+                              <p:cond delay="0"/>
+                            </p:stCondLst>
+                            <p:childTnLst>
+                              <p:par>
+                                <p:cTn id="5" presetID="2" presetClass="entr" presetSubtype="4" fill="hold" grpId="0" nodeType="clickEffect">
+                                  <p:stCondLst>
+                                    <p:cond delay="0"/>
+                                  </p:stCondLst>
+                                  <p:childTnLst>
+                                    <p:set>
+                                      <p:cBhvr>
+                                        <p:cTn id="6" dur="1" fill="hold">
+                                          <p:stCondLst>
+                                            <p:cond delay="0"/>
+                                          </p:stCondLst>
+                                        </p:cTn>
+                                        <p:tgtEl>
+                                          <p:spTgt spid="7"/>
+                                        </p:tgtEl>
+                                        <p:attrNameLst>
+                                          <p:attrName>style.visibility</p:attrName>
+                                        </p:attrNameLst>
+                                      </p:cBhvr>
+                                      <p:to>
+                                        <p:strVal val="visible"/>
+                                      </p:to>
+                                    </p:set>
+                                    <p:anim calcmode="lin" valueType="num">
+                                      <p:cBhvr additive="base">
+                                        <p:cTn id="7" dur="500" fill="hold"/>
+                                        <p:tgtEl>
+                                          <p:spTgt spid="7"/>
+                                        </p:tgtEl>
+                                        <p:attrNameLst>
+                                          <p:attrName>ppt_x</p:attrName>
+                                        </p:attrNameLst>
+                                      </p:cBhvr>
+                                      <p:tavLst>
+                                        <p:tav tm="0">
+                                          <p:val>
+                                            <p:strVal val="#ppt_x"/>
+                                          </p:val>
+                                        </p:tav>
+                                        <p:tav tm="100000">
+                                          <p:val>
+                                            <p:strVal val="#ppt_x"/>
+                                          </p:val>
+                                        </p:tav>
+                                      </p:tavLst>
+                                    </p:anim>
+                                    <p:anim calcmode="lin" valueType="num">
+                                      <p:cBhvr additive="base">
+                                        <p:cTn id="8" dur="500" fill="hold"/>
+                                        <p:tgtEl>
+                                          <p:spTgt spid="7"/>
+                                        </p:tgtEl>
+                                        <p:attrNameLst>
+                                          <p:attrName>ppt_y</p:attrName>
+                                        </p:attrNameLst>
+                                      </p:cBhvr>
+                                      <p:tavLst>
+                                        <p:tav tm="0">
+                                          <p:val>
+                                            <p:strVal val="1+#ppt_h/2"/>
+                                          </p:val>
+                                        </p:tav>
+                                        <p:tav tm="100000">
+                                          <p:val>
+                                            <p:strVal val="#ppt_y"/>
+                                          </p:val>
+                                        </p:tav>
+                                      </p:tavLst>
+                                    </p:anim>
+                                  </p:childTnLst>
+                                </p:cTn>
+                              </p:par>
+                              <p:par>
+                                <p:cTn id="9" presetID="2" presetClass="entr" presetSubtype="4" fill="hold" nodeType="withEffect">
+                                  <p:stCondLst>
+                                    <p:cond delay="0"/>
+                                  </p:stCondLst>
+                                  <p:childTnLst>
+                                    <p:set>
+                                      <p:cBhvr>
+                                        <p:cTn id="10" dur="1" fill="hold">
+                                          <p:stCondLst>
+                                            <p:cond delay="0"/>
+                                          </p:stCondLst>
+                                        </p:cTn>
+                                        <p:tgtEl>
+                                          <p:spTgt spid="5"/>
+                                        </p:tgtEl>
+                                        <p:attrNameLst>
+                                          <p:attrName>style.visibility</p:attrName>
+                                        </p:attrNameLst>
+                                      </p:cBhvr>
+                                      <p:to>
+                                        <p:strVal val="visible"/>
+                                      </p:to>
+                                    </p:set>
+                                    <p:anim calcmode="lin" valueType="num">
+                                      <p:cBhvr additive="base">
+                                        <p:cTn id="11" dur="500" fill="hold"/>
+                                        <p:tgtEl>
+                                          <p:spTgt spid="5"/>
+                                        </p:tgtEl>
+                                        <p:attrNameLst>
+                                          <p:attrName>ppt_x</p:attrName>
+                                        </p:attrNameLst>
+                                      </p:cBhvr>
+                                      <p:tavLst>
+                                        <p:tav tm="0">
+                                          <p:val>
+                                            <p:strVal val="#ppt_x"/>
+                                          </p:val>
+                                        </p:tav>
+                                        <p:tav tm="100000">
+                                          <p:val>
+                                            <p:strVal val="#ppt_x"/>
+                                          </p:val>
+                                        </p:tav>
+                                      </p:tavLst>
+                                    </p:anim>
+                                    <p:anim calcmode="lin" valueType="num">
+                                      <p:cBhvr additive="base">
+                                        <p:cTn id="12" dur="500" fill="hold"/>
+                                        <p:tgtEl>
+                                          <p:spTgt spid="5"/>
+                                        </p:tgtEl>
+                                        <p:attrNameLst>
+                                          <p:attrName>ppt_y</p:attrName>
+                                        </p:attrNameLst>
+                                      </p:cBhvr>
+                                      <p:tavLst>
+                                        <p:tav tm="0">
+                                          <p:val>
+                                            <p:strVal val="1+#ppt_h/2"/>
+                                          </p:val>
+                                        </p:tav>
+                                        <p:tav tm="100000">
+                                          <p:val>
+                                            <p:strVal val="#ppt_y"/>
+                                          </p:val>
+                                        </p:tav>
+                                      </p:tavLst>
+                                    </p:anim>
+                                  </p:childTnLst>
+                                </p:cTn>
+                              </p:par>
+                            </p:childTnLst>
+                          </p:cTn>
+                        </p:par>
+                      </p:childTnLst>
+                    </p:cTn>
+                  </p:par>
+                </p:childTnLst>
+              </p:cTn>
+              <p:prevCondLst>
+                <p:cond evt="onPrev" delay="0">
+                  <p:tgtEl>
+                    <p:sldTgt/>
+                  </p:tgtEl>
+                </p:cond>
+              </p:prevCondLst>
+              <p:nextCondLst>
+                <p:cond evt="onNext" delay="0">
+                  <p:tgtEl>
+                    <p:sldTgt/>
+                  </p:tgtEl>
+                </p:cond>
+              </p:nextCondLst>
+            </p:seq>
+          </p:childTnLst>
+        </p:cTn>
       </p:par>
     </p:tnLst>
+    <p:bldLst>
+      <p:bldP spid="7" grpId="0"/>
+    </p:bldLst>
   </p:timing>
 </p:sld>
 </file>
@@ -14601,18 +16697,7 @@
                 <a:ea typeface="宋体" panose="02010600030101010101" pitchFamily="2" charset="-122"/>
                 <a:cs typeface="Times New Roman" panose="02020603050405020304" pitchFamily="18" charset="0"/>
               </a:rPr>
-              <a:t>强制</a:t>
-            </a:r>
-            <a:r>
-              <a:rPr lang="zh-CN" altLang="en-US" sz="1800" dirty="0" smtClean="0">
-                <a:solidFill>
-                  <a:srgbClr val="FF0000"/>
-                </a:solidFill>
-                <a:latin typeface="Times New Roman" panose="02020603050405020304" pitchFamily="18" charset="0"/>
-                <a:ea typeface="宋体" panose="02010600030101010101" pitchFamily="2" charset="-122"/>
-                <a:cs typeface="Times New Roman" panose="02020603050405020304" pitchFamily="18" charset="0"/>
-              </a:rPr>
-              <a:t>规定</a:t>
+              <a:t>强制规定</a:t>
             </a:r>
             <a:endParaRPr lang="en-US" altLang="zh-CN" sz="1800" dirty="0" smtClean="0">
               <a:solidFill>
@@ -15296,10 +17381,6 @@
               </a:rPr>
               <a:t>子集</a:t>
             </a:r>
-            <a:endParaRPr lang="zh-CN" altLang="en-US" dirty="0">
-              <a:latin typeface="宋体" panose="02010600030101010101" pitchFamily="2" charset="-122"/>
-              <a:ea typeface="宋体" panose="02010600030101010101" pitchFamily="2" charset="-122"/>
-            </a:endParaRPr>
           </a:p>
         </p:txBody>
       </p:sp>
